--- a/Trading Spaces LTSM for SPY.pptx
+++ b/Trading Spaces LTSM for SPY.pptx
@@ -5,22 +5,21 @@
     <p:sldMasterId id="2147483648" r:id="rId1"/>
   </p:sldMasterIdLst>
   <p:notesMasterIdLst>
-    <p:notesMasterId r:id="rId12"/>
+    <p:notesMasterId r:id="rId11"/>
   </p:notesMasterIdLst>
   <p:handoutMasterIdLst>
-    <p:handoutMasterId r:id="rId13"/>
+    <p:handoutMasterId r:id="rId12"/>
   </p:handoutMasterIdLst>
   <p:sldIdLst>
     <p:sldId id="257" r:id="rId2"/>
     <p:sldId id="266" r:id="rId3"/>
-    <p:sldId id="273" r:id="rId4"/>
-    <p:sldId id="282" r:id="rId5"/>
-    <p:sldId id="286" r:id="rId6"/>
-    <p:sldId id="304" r:id="rId7"/>
-    <p:sldId id="272" r:id="rId8"/>
-    <p:sldId id="293" r:id="rId9"/>
-    <p:sldId id="301" r:id="rId10"/>
-    <p:sldId id="300" r:id="rId11"/>
+    <p:sldId id="282" r:id="rId4"/>
+    <p:sldId id="286" r:id="rId5"/>
+    <p:sldId id="304" r:id="rId6"/>
+    <p:sldId id="272" r:id="rId7"/>
+    <p:sldId id="293" r:id="rId8"/>
+    <p:sldId id="301" r:id="rId9"/>
+    <p:sldId id="300" r:id="rId10"/>
   </p:sldIdLst>
   <p:sldSz cx="12192000" cy="6858000"/>
   <p:notesSz cx="6858000" cy="9144000"/>
@@ -241,7 +240,7 @@
           <a:p>
             <a:fld id="{23AD794A-17F4-48F7-A14F-39DCAE091952}" type="datetimeFigureOut">
               <a:rPr lang="en-US" smtClean="0"/>
-              <a:t>3/17/2021</a:t>
+              <a:t>3/20/2021</a:t>
             </a:fld>
             <a:endParaRPr lang="en-US" dirty="0"/>
           </a:p>
@@ -418,7 +417,7 @@
           <a:p>
             <a:fld id="{594C6A87-CC60-415C-BFEE-13D1CAD6861A}" type="datetimeFigureOut">
               <a:rPr lang="en-US" smtClean="0"/>
-              <a:t>3/17/2021</a:t>
+              <a:t>3/20/2021</a:t>
             </a:fld>
             <a:endParaRPr lang="en-US" dirty="0"/>
           </a:p>
@@ -729,10 +728,7 @@
           <a:bodyPr/>
           <a:lstStyle/>
           <a:p>
-            <a:r>
-              <a:rPr lang="en-US" dirty="0"/>
-              <a:t>Presently, accessibility of every little news or comments on social media has tremendous effect on the stock market.  It creates a perfect storm to make market volatile easily therefore making it volatile in short notice. </a:t>
-            </a:r>
+            <a:endParaRPr lang="en-US" dirty="0"/>
           </a:p>
         </p:txBody>
       </p:sp>
@@ -753,7 +749,7 @@
           <a:p>
             <a:fld id="{6DC51814-3B91-4036-94D2-3977634EE214}" type="slidenum">
               <a:rPr lang="en-US" smtClean="0"/>
-              <a:t>3</a:t>
+              <a:t>1</a:t>
             </a:fld>
             <a:endParaRPr lang="en-US" dirty="0"/>
           </a:p>
@@ -762,7 +758,7 @@
     </p:spTree>
     <p:extLst>
       <p:ext uri="{BB962C8B-B14F-4D97-AF65-F5344CB8AC3E}">
-        <p14:creationId xmlns:p14="http://schemas.microsoft.com/office/powerpoint/2010/main" val="2182958275"/>
+        <p14:creationId xmlns:p14="http://schemas.microsoft.com/office/powerpoint/2010/main" val="1465098940"/>
       </p:ext>
     </p:extLst>
   </p:cSld>
@@ -27175,6 +27171,42 @@
           <a:chExt cx="0" cy="0"/>
         </a:xfrm>
       </p:grpSpPr>
+      <p:pic>
+        <p:nvPicPr>
+          <p:cNvPr id="5" name="Picture 4">
+            <a:extLst>
+              <a:ext uri="{FF2B5EF4-FFF2-40B4-BE49-F238E27FC236}">
+                <a16:creationId xmlns:a16="http://schemas.microsoft.com/office/drawing/2014/main" id="{3B3A02B8-0EAE-48E8-A4BD-212026306A58}"/>
+              </a:ext>
+            </a:extLst>
+          </p:cNvPr>
+          <p:cNvPicPr>
+            <a:picLocks noChangeAspect="1"/>
+          </p:cNvPicPr>
+          <p:nvPr/>
+        </p:nvPicPr>
+        <p:blipFill>
+          <a:blip r:embed="rId3">
+            <a:extLst>
+              <a:ext uri="{837473B0-CC2E-450A-ABE3-18F120FF3D39}">
+                <a1611:picAttrSrcUrl xmlns:a1611="http://schemas.microsoft.com/office/drawing/2016/11/main" r:id="rId4"/>
+              </a:ext>
+            </a:extLst>
+          </a:blip>
+          <a:stretch>
+            <a:fillRect/>
+          </a:stretch>
+        </p:blipFill>
+        <p:spPr>
+          <a:xfrm>
+            <a:off x="0" y="0"/>
+            <a:ext cx="12192000" cy="6858000"/>
+          </a:xfrm>
+          <a:prstGeom prst="rect">
+            <a:avLst/>
+          </a:prstGeom>
+        </p:spPr>
+      </p:pic>
       <p:sp>
         <p:nvSpPr>
           <p:cNvPr id="3" name="Title 2">
@@ -27193,16 +27225,22 @@
         </p:nvSpPr>
         <p:spPr>
           <a:xfrm>
-            <a:off x="6990969" y="537529"/>
-            <a:ext cx="4986338" cy="3262311"/>
-          </a:xfrm>
-        </p:spPr>
-        <p:txBody>
-          <a:bodyPr/>
+            <a:off x="4419600" y="4771390"/>
+            <a:ext cx="7679627" cy="2086610"/>
+          </a:xfrm>
+        </p:spPr>
+        <p:txBody>
+          <a:bodyPr>
+            <a:noAutofit/>
+          </a:bodyPr>
           <a:lstStyle/>
           <a:p>
             <a:r>
-              <a:rPr lang="en-US" dirty="0"/>
+              <a:rPr lang="en-US" sz="7200" dirty="0">
+                <a:solidFill>
+                  <a:srgbClr val="002060"/>
+                </a:solidFill>
+              </a:rPr>
               <a:t>Trading Spaces LTSM for SPY </a:t>
             </a:r>
           </a:p>
@@ -27226,8 +27264,8 @@
         </p:nvSpPr>
         <p:spPr>
           <a:xfrm>
-            <a:off x="6990969" y="5543550"/>
-            <a:ext cx="5155202" cy="1113282"/>
+            <a:off x="6822105" y="118110"/>
+            <a:ext cx="5155202" cy="2086610"/>
           </a:xfrm>
         </p:spPr>
         <p:txBody>
@@ -27239,51 +27277,66 @@
             <a:pPr algn="ctr"/>
             <a:r>
               <a:rPr lang="en-US" dirty="0"/>
-              <a:t>Attempted By: Alpa Sheladia</a:t>
-            </a:r>
-            <a:endParaRPr lang="en-US" sz="2000" dirty="0"/>
+              <a:t>Attempted By:</a:t>
+            </a:r>
+          </a:p>
+          <a:p>
+            <a:pPr algn="ctr"/>
+            <a:r>
+              <a:rPr lang="en-US" dirty="0"/>
+              <a:t> </a:t>
+            </a:r>
+            <a:r>
+              <a:rPr lang="en-US" b="1" i="1" u="sng" dirty="0">
+                <a:solidFill>
+                  <a:schemeClr val="accent6">
+                    <a:lumMod val="60000"/>
+                    <a:lumOff val="40000"/>
+                  </a:schemeClr>
+                </a:solidFill>
+                <a:latin typeface="Arial Black" panose="020B0A04020102020204" pitchFamily="34" charset="0"/>
+              </a:rPr>
+              <a:t>Alpa Sheladia </a:t>
+            </a:r>
+          </a:p>
+          <a:p>
+            <a:pPr algn="ctr"/>
+            <a:r>
+              <a:rPr lang="en-US" sz="2000" b="1" i="1" u="sng" dirty="0">
+                <a:solidFill>
+                  <a:schemeClr val="accent6">
+                    <a:lumMod val="60000"/>
+                    <a:lumOff val="40000"/>
+                  </a:schemeClr>
+                </a:solidFill>
+                <a:latin typeface="Arial Black" panose="020B0A04020102020204" pitchFamily="34" charset="0"/>
+              </a:rPr>
+              <a:t>&amp;</a:t>
+            </a:r>
+          </a:p>
+          <a:p>
+            <a:pPr algn="ctr"/>
+            <a:r>
+              <a:rPr lang="en-US" b="1" i="1" u="sng" dirty="0">
+                <a:solidFill>
+                  <a:schemeClr val="accent6">
+                    <a:lumMod val="60000"/>
+                    <a:lumOff val="40000"/>
+                  </a:schemeClr>
+                </a:solidFill>
+                <a:latin typeface="Arial Black" panose="020B0A04020102020204" pitchFamily="34" charset="0"/>
+              </a:rPr>
+              <a:t>Will Turner</a:t>
+            </a:r>
           </a:p>
         </p:txBody>
       </p:sp>
       <p:pic>
         <p:nvPicPr>
-          <p:cNvPr id="11" name="Picture Placeholder 10">
-            <a:extLst>
-              <a:ext uri="{FF2B5EF4-FFF2-40B4-BE49-F238E27FC236}">
-                <a16:creationId xmlns:a16="http://schemas.microsoft.com/office/drawing/2014/main" id="{403D26D2-306B-4D0F-AAB0-2F408CC82734}"/>
-              </a:ext>
-            </a:extLst>
-          </p:cNvPr>
-          <p:cNvPicPr>
-            <a:picLocks noGrp="1" noChangeAspect="1"/>
-          </p:cNvPicPr>
-          <p:nvPr>
-            <p:ph type="pic" sz="quarter" idx="10"/>
-          </p:nvPr>
-        </p:nvPicPr>
-        <p:blipFill>
-          <a:blip r:embed="rId2"/>
-          <a:srcRect l="28003" r="28003"/>
-          <a:stretch>
-            <a:fillRect/>
-          </a:stretch>
-        </p:blipFill>
-        <p:spPr>
-          <a:xfrm>
-            <a:off x="539023" y="5233736"/>
-            <a:ext cx="3899627" cy="1624264"/>
-          </a:xfrm>
-          <a:prstGeom prst="rect">
-            <a:avLst/>
-          </a:prstGeom>
-        </p:spPr>
-      </p:pic>
-      <p:pic>
-        <p:nvPicPr>
-          <p:cNvPr id="10" name="Picture 9">
-            <a:extLst>
-              <a:ext uri="{FF2B5EF4-FFF2-40B4-BE49-F238E27FC236}">
-                <a16:creationId xmlns:a16="http://schemas.microsoft.com/office/drawing/2014/main" id="{2B46F193-DBA4-4751-9454-39C3E1BE56DB}"/>
+          <p:cNvPr id="9" name="Picture 8">
+            <a:extLst>
+              <a:ext uri="{FF2B5EF4-FFF2-40B4-BE49-F238E27FC236}">
+                <a16:creationId xmlns:a16="http://schemas.microsoft.com/office/drawing/2014/main" id="{9A71B31E-7F14-4545-90FC-17DDF5109C3E}"/>
               </a:ext>
             </a:extLst>
           </p:cNvPr>
@@ -27293,114 +27346,27 @@
           <p:nvPr/>
         </p:nvPicPr>
         <p:blipFill>
-          <a:blip r:embed="rId3"/>
+          <a:blip r:embed="rId5"/>
           <a:stretch>
             <a:fillRect/>
           </a:stretch>
         </p:blipFill>
         <p:spPr>
           <a:xfrm>
-            <a:off x="539023" y="-1"/>
-            <a:ext cx="6112394" cy="5233737"/>
+            <a:off x="25400" y="118110"/>
+            <a:ext cx="2057404" cy="3657607"/>
           </a:xfrm>
           <a:prstGeom prst="rect">
             <a:avLst/>
           </a:prstGeom>
         </p:spPr>
       </p:pic>
-    </p:spTree>
-    <p:extLst>
-      <p:ext uri="{BB962C8B-B14F-4D97-AF65-F5344CB8AC3E}">
-        <p14:creationId xmlns:p14="http://schemas.microsoft.com/office/powerpoint/2010/main" val="1495496538"/>
-      </p:ext>
-    </p:extLst>
-  </p:cSld>
-  <p:clrMapOvr>
-    <a:masterClrMapping/>
-  </p:clrMapOvr>
-</p:sld>
-</file>
-
-<file path=ppt/slides/slide10.xml><?xml version="1.0" encoding="utf-8"?>
-<p:sld xmlns:a="http://schemas.openxmlformats.org/drawingml/2006/main" xmlns:r="http://schemas.openxmlformats.org/officeDocument/2006/relationships" xmlns:p="http://schemas.openxmlformats.org/presentationml/2006/main">
-  <p:cSld>
-    <p:spTree>
-      <p:nvGrpSpPr>
-        <p:cNvPr id="1" name=""/>
-        <p:cNvGrpSpPr/>
-        <p:nvPr/>
-      </p:nvGrpSpPr>
-      <p:grpSpPr>
-        <a:xfrm>
-          <a:off x="0" y="0"/>
-          <a:ext cx="0" cy="0"/>
-          <a:chOff x="0" y="0"/>
-          <a:chExt cx="0" cy="0"/>
-        </a:xfrm>
-      </p:grpSpPr>
-      <p:sp>
-        <p:nvSpPr>
-          <p:cNvPr id="16" name="Title 15">
-            <a:extLst>
-              <a:ext uri="{FF2B5EF4-FFF2-40B4-BE49-F238E27FC236}">
-                <a16:creationId xmlns:a16="http://schemas.microsoft.com/office/drawing/2014/main" id="{2C00B059-8249-401E-BECD-DC838B36F9FB}"/>
-              </a:ext>
-            </a:extLst>
-          </p:cNvPr>
-          <p:cNvSpPr>
-            <a:spLocks noGrp="1"/>
-          </p:cNvSpPr>
-          <p:nvPr>
-            <p:ph type="title"/>
-          </p:nvPr>
-        </p:nvSpPr>
-        <p:spPr/>
-        <p:txBody>
-          <a:bodyPr/>
-          <a:lstStyle/>
-          <a:p>
-            <a:r>
-              <a:rPr lang="en-US" dirty="0"/>
-              <a:t>Thank you</a:t>
-            </a:r>
-          </a:p>
-        </p:txBody>
-      </p:sp>
-      <p:sp>
-        <p:nvSpPr>
-          <p:cNvPr id="3" name="Slide Number Placeholder 2">
-            <a:extLst>
-              <a:ext uri="{FF2B5EF4-FFF2-40B4-BE49-F238E27FC236}">
-                <a16:creationId xmlns:a16="http://schemas.microsoft.com/office/drawing/2014/main" id="{581E71C2-3FC1-41C1-8255-33A1AC802247}"/>
-              </a:ext>
-            </a:extLst>
-          </p:cNvPr>
-          <p:cNvSpPr>
-            <a:spLocks noGrp="1"/>
-          </p:cNvSpPr>
-          <p:nvPr>
-            <p:ph type="sldNum" sz="quarter" idx="12"/>
-          </p:nvPr>
-        </p:nvSpPr>
-        <p:spPr/>
-        <p:txBody>
-          <a:bodyPr/>
-          <a:lstStyle/>
-          <a:p>
-            <a:fld id="{03DC2DEF-D2FE-4B45-ABA4-9F153FD1C98A}" type="slidenum">
-              <a:rPr lang="en-US" smtClean="0"/>
-              <a:t>10</a:t>
-            </a:fld>
-            <a:endParaRPr lang="en-US" dirty="0"/>
-          </a:p>
-        </p:txBody>
-      </p:sp>
       <p:pic>
         <p:nvPicPr>
-          <p:cNvPr id="6" name="Picture 5">
-            <a:extLst>
-              <a:ext uri="{FF2B5EF4-FFF2-40B4-BE49-F238E27FC236}">
-                <a16:creationId xmlns:a16="http://schemas.microsoft.com/office/drawing/2014/main" id="{707923A9-5EB0-4B3E-80B7-931CC1C6BC72}"/>
+          <p:cNvPr id="13" name="Picture 12">
+            <a:extLst>
+              <a:ext uri="{FF2B5EF4-FFF2-40B4-BE49-F238E27FC236}">
+                <a16:creationId xmlns:a16="http://schemas.microsoft.com/office/drawing/2014/main" id="{517E9029-5C8A-47E1-A3F0-5BD7C0AD3DEA}"/>
               </a:ext>
             </a:extLst>
           </p:cNvPr>
@@ -27410,55 +27376,53 @@
           <p:nvPr/>
         </p:nvPicPr>
         <p:blipFill>
-          <a:blip r:embed="rId2"/>
+          <a:blip r:embed="rId6">
+            <a:extLst>
+              <a:ext uri="{BEBA8EAE-BF5A-486C-A8C5-ECC9F3942E4B}">
+                <a14:imgProps xmlns:a14="http://schemas.microsoft.com/office/drawing/2010/main">
+                  <a14:imgLayer r:embed="rId7">
+                    <a14:imgEffect>
+                      <a14:colorTemperature colorTemp="6501"/>
+                    </a14:imgEffect>
+                    <a14:imgEffect>
+                      <a14:saturation sat="0"/>
+                    </a14:imgEffect>
+                  </a14:imgLayer>
+                </a14:imgProps>
+              </a:ext>
+            </a:extLst>
+          </a:blip>
           <a:stretch>
             <a:fillRect/>
           </a:stretch>
         </p:blipFill>
         <p:spPr>
           <a:xfrm>
-            <a:off x="6432650" y="1911063"/>
-            <a:ext cx="5642192" cy="3035871"/>
+            <a:off x="2108205" y="118110"/>
+            <a:ext cx="3912658" cy="3564204"/>
           </a:xfrm>
           <a:prstGeom prst="rect">
             <a:avLst/>
           </a:prstGeom>
-        </p:spPr>
-      </p:pic>
-      <p:pic>
-        <p:nvPicPr>
-          <p:cNvPr id="4" name="Picture 3">
-            <a:extLst>
-              <a:ext uri="{FF2B5EF4-FFF2-40B4-BE49-F238E27FC236}">
-                <a16:creationId xmlns:a16="http://schemas.microsoft.com/office/drawing/2014/main" id="{72FDA82D-BCA2-47D7-A54A-A2DB966AB45C}"/>
-              </a:ext>
-            </a:extLst>
-          </p:cNvPr>
-          <p:cNvPicPr>
-            <a:picLocks noChangeAspect="1"/>
-          </p:cNvPicPr>
-          <p:nvPr/>
-        </p:nvPicPr>
-        <p:blipFill>
-          <a:blip r:embed="rId3"/>
-          <a:stretch>
-            <a:fillRect/>
-          </a:stretch>
-        </p:blipFill>
-        <p:spPr>
-          <a:xfrm>
-            <a:off x="597176" y="1911064"/>
-            <a:ext cx="5646333" cy="3035871"/>
-          </a:xfrm>
-          <a:prstGeom prst="rect">
-            <a:avLst/>
-          </a:prstGeom>
+          <a:noFill/>
+          <a:effectLst>
+            <a:glow rad="127000">
+              <a:srgbClr val="00B0F0"/>
+            </a:glow>
+            <a:outerShdw blurRad="622300" dist="50800" dir="5400000" algn="ctr" rotWithShape="0">
+              <a:srgbClr val="000000">
+                <a:alpha val="0"/>
+              </a:srgbClr>
+            </a:outerShdw>
+            <a:reflection endPos="0" dist="38100" dir="5400000" sy="-100000" algn="bl" rotWithShape="0"/>
+            <a:softEdge rad="63500"/>
+          </a:effectLst>
         </p:spPr>
       </p:pic>
     </p:spTree>
     <p:extLst>
       <p:ext uri="{BB962C8B-B14F-4D97-AF65-F5344CB8AC3E}">
-        <p14:creationId xmlns:p14="http://schemas.microsoft.com/office/powerpoint/2010/main" val="2900026269"/>
+        <p14:creationId xmlns:p14="http://schemas.microsoft.com/office/powerpoint/2010/main" val="1495496538"/>
       </p:ext>
     </p:extLst>
   </p:cSld>
@@ -27650,10 +27614,10 @@
       </p:grpSpPr>
       <p:sp>
         <p:nvSpPr>
-          <p:cNvPr id="5" name="Title 4">
-            <a:extLst>
-              <a:ext uri="{FF2B5EF4-FFF2-40B4-BE49-F238E27FC236}">
-                <a16:creationId xmlns:a16="http://schemas.microsoft.com/office/drawing/2014/main" id="{9151932C-7145-4FBD-B81D-9ADC42401B87}"/>
+          <p:cNvPr id="2" name="Title 1">
+            <a:extLst>
+              <a:ext uri="{FF2B5EF4-FFF2-40B4-BE49-F238E27FC236}">
+                <a16:creationId xmlns:a16="http://schemas.microsoft.com/office/drawing/2014/main" id="{68562E51-D53F-4CA2-8BF0-E130B326D56A}"/>
               </a:ext>
             </a:extLst>
           </p:cNvPr>
@@ -27661,206 +27625,319 @@
             <a:spLocks noGrp="1"/>
           </p:cNvSpPr>
           <p:nvPr>
-            <p:ph type="title"/>
+            <p:ph type="title" idx="4294967295"/>
           </p:nvPr>
         </p:nvSpPr>
-        <p:spPr/>
-        <p:txBody>
-          <a:bodyPr/>
-          <a:lstStyle/>
-          <a:p>
-            <a:r>
-              <a:rPr lang="en-US" dirty="0"/>
-              <a:t>Perfect Data Storm</a:t>
-            </a:r>
-          </a:p>
-        </p:txBody>
-      </p:sp>
-      <p:sp>
-        <p:nvSpPr>
-          <p:cNvPr id="6" name="Content Placeholder 5">
-            <a:extLst>
-              <a:ext uri="{FF2B5EF4-FFF2-40B4-BE49-F238E27FC236}">
-                <a16:creationId xmlns:a16="http://schemas.microsoft.com/office/drawing/2014/main" id="{33DA7B46-E592-40C7-91D7-A26B47A30C67}"/>
-              </a:ext>
-            </a:extLst>
-          </p:cNvPr>
-          <p:cNvSpPr>
-            <a:spLocks noGrp="1"/>
-          </p:cNvSpPr>
-          <p:nvPr>
-            <p:ph sz="half" idx="1"/>
-          </p:nvPr>
-        </p:nvSpPr>
-        <p:spPr/>
-        <p:txBody>
-          <a:bodyPr>
+        <p:spPr>
+          <a:xfrm>
+            <a:off x="371475" y="-758824"/>
+            <a:ext cx="11520487" cy="758824"/>
+          </a:xfrm>
+        </p:spPr>
+        <p:txBody>
+          <a:bodyPr vert="horz" lIns="91440" tIns="45720" rIns="91440" bIns="45720" rtlCol="0" anchor="b">
             <a:normAutofit/>
           </a:bodyPr>
           <a:lstStyle/>
           <a:p>
             <a:r>
-              <a:rPr lang="en-US" sz="3200" dirty="0"/>
-              <a:t>Many</a:t>
-            </a:r>
-          </a:p>
-          <a:p>
-            <a:r>
-              <a:rPr lang="en-US" sz="3200" dirty="0"/>
-              <a:t>Expensive</a:t>
-            </a:r>
-          </a:p>
-          <a:p>
-            <a:r>
-              <a:rPr lang="en-US" sz="3200" dirty="0"/>
-              <a:t>Incomplete</a:t>
-            </a:r>
-          </a:p>
-        </p:txBody>
-      </p:sp>
-      <p:sp>
-        <p:nvSpPr>
-          <p:cNvPr id="7" name="Content Placeholder 6">
-            <a:extLst>
-              <a:ext uri="{FF2B5EF4-FFF2-40B4-BE49-F238E27FC236}">
-                <a16:creationId xmlns:a16="http://schemas.microsoft.com/office/drawing/2014/main" id="{A7F42263-DE86-44BB-AC19-CD7982D365B2}"/>
-              </a:ext>
-            </a:extLst>
-          </p:cNvPr>
-          <p:cNvSpPr>
-            <a:spLocks noGrp="1"/>
-          </p:cNvSpPr>
-          <p:nvPr>
-            <p:ph sz="half" idx="2"/>
-          </p:nvPr>
-        </p:nvSpPr>
-        <p:spPr/>
-        <p:txBody>
-          <a:bodyPr>
-            <a:noAutofit/>
-          </a:bodyPr>
-          <a:lstStyle/>
-          <a:p>
-            <a:r>
-              <a:rPr lang="en-US" sz="3200" dirty="0"/>
-              <a:t>Overwhelming</a:t>
-            </a:r>
-          </a:p>
-          <a:p>
-            <a:r>
-              <a:rPr lang="en-US" sz="3200" dirty="0"/>
-              <a:t>Selection Criteria</a:t>
-            </a:r>
-          </a:p>
-          <a:p>
-            <a:r>
-              <a:rPr lang="en-US" sz="3200" dirty="0"/>
-              <a:t>Analysis Paralysis</a:t>
-            </a:r>
-          </a:p>
-          <a:p>
-            <a:endParaRPr lang="en-US" sz="3200" dirty="0"/>
-          </a:p>
-        </p:txBody>
-      </p:sp>
-      <p:sp>
-        <p:nvSpPr>
-          <p:cNvPr id="3" name="Slide Number Placeholder 2">
-            <a:extLst>
-              <a:ext uri="{FF2B5EF4-FFF2-40B4-BE49-F238E27FC236}">
-                <a16:creationId xmlns:a16="http://schemas.microsoft.com/office/drawing/2014/main" id="{774AF259-0EA0-486A-A345-68549DF558C8}"/>
-              </a:ext>
-            </a:extLst>
-          </p:cNvPr>
-          <p:cNvSpPr>
-            <a:spLocks noGrp="1"/>
-          </p:cNvSpPr>
-          <p:nvPr>
-            <p:ph type="sldNum" sz="quarter" idx="12"/>
-          </p:nvPr>
-        </p:nvSpPr>
-        <p:spPr/>
-        <p:txBody>
-          <a:bodyPr/>
-          <a:lstStyle/>
-          <a:p>
-            <a:fld id="{03DC2DEF-D2FE-4B45-ABA4-9F153FD1C98A}" type="slidenum">
-              <a:rPr lang="en-US" smtClean="0"/>
-              <a:t>3</a:t>
-            </a:fld>
-            <a:endParaRPr lang="en-US" dirty="0"/>
-          </a:p>
-        </p:txBody>
-      </p:sp>
-      <p:sp>
-        <p:nvSpPr>
-          <p:cNvPr id="4" name="Picture Placeholder 3">
-            <a:extLst>
-              <a:ext uri="{FF2B5EF4-FFF2-40B4-BE49-F238E27FC236}">
-                <a16:creationId xmlns:a16="http://schemas.microsoft.com/office/drawing/2014/main" id="{CE58A853-DEF0-4EC2-B763-CEA368599B3C}"/>
-              </a:ext>
-            </a:extLst>
-          </p:cNvPr>
-          <p:cNvSpPr>
-            <a:spLocks noGrp="1"/>
-          </p:cNvSpPr>
+              <a:rPr lang="en-US" sz="700" b="0" dirty="0">
+                <a:solidFill>
+                  <a:schemeClr val="bg1">
+                    <a:lumMod val="95000"/>
+                  </a:schemeClr>
+                </a:solidFill>
+              </a:rPr>
+              <a:t>Slide 27</a:t>
+            </a:r>
+          </a:p>
+        </p:txBody>
+      </p:sp>
+      <p:pic>
+        <p:nvPicPr>
+          <p:cNvPr id="5" name="Picture Placeholder 4">
+            <a:extLst>
+              <a:ext uri="{FF2B5EF4-FFF2-40B4-BE49-F238E27FC236}">
+                <a16:creationId xmlns:a16="http://schemas.microsoft.com/office/drawing/2014/main" id="{EDBC911A-8A38-4390-B18F-C1CCC90A9693}"/>
+              </a:ext>
+            </a:extLst>
+          </p:cNvPr>
+          <p:cNvPicPr>
+            <a:picLocks noGrp="1" noChangeAspect="1"/>
+          </p:cNvPicPr>
           <p:nvPr>
             <p:ph type="pic" sz="quarter" idx="13"/>
           </p:nvPr>
-        </p:nvSpPr>
-        <p:spPr/>
-      </p:sp>
+        </p:nvPicPr>
+        <p:blipFill>
+          <a:blip r:embed="rId2"/>
+          <a:srcRect t="1549" b="1549"/>
+          <a:stretch/>
+        </p:blipFill>
+        <p:spPr>
+          <a:xfrm>
+            <a:off x="219457" y="1199134"/>
+            <a:ext cx="3425446" cy="2029205"/>
+          </a:xfrm>
+          <a:prstGeom prst="rect">
+            <a:avLst/>
+          </a:prstGeom>
+        </p:spPr>
+      </p:pic>
       <p:pic>
         <p:nvPicPr>
-          <p:cNvPr id="9" name="Picture 2">
-            <a:extLst>
-              <a:ext uri="{FF2B5EF4-FFF2-40B4-BE49-F238E27FC236}">
-                <a16:creationId xmlns:a16="http://schemas.microsoft.com/office/drawing/2014/main" id="{504D2853-5E28-4658-AA23-C9A088C2C823}"/>
+          <p:cNvPr id="6" name="Picture 5">
+            <a:extLst>
+              <a:ext uri="{FF2B5EF4-FFF2-40B4-BE49-F238E27FC236}">
+                <a16:creationId xmlns:a16="http://schemas.microsoft.com/office/drawing/2014/main" id="{7CFD97B1-6F1C-4B5F-9D64-B7C385B2E7E7}"/>
               </a:ext>
             </a:extLst>
           </p:cNvPr>
           <p:cNvPicPr>
-            <a:picLocks noChangeAspect="1" noChangeArrowheads="1"/>
+            <a:picLocks noChangeAspect="1"/>
           </p:cNvPicPr>
           <p:nvPr/>
         </p:nvPicPr>
         <p:blipFill>
-          <a:blip r:embed="rId3">
-            <a:extLst>
-              <a:ext uri="{28A0092B-C50C-407E-A947-70E740481C1C}">
-                <a14:useLocalDpi xmlns:a14="http://schemas.microsoft.com/office/drawing/2010/main" val="0"/>
-              </a:ext>
-            </a:extLst>
-          </a:blip>
-          <a:srcRect/>
+          <a:blip r:embed="rId3"/>
           <a:stretch>
             <a:fillRect/>
           </a:stretch>
         </p:blipFill>
-        <p:spPr bwMode="auto">
-          <a:xfrm>
-            <a:off x="3967163" y="1233488"/>
-            <a:ext cx="4283268" cy="5348490"/>
+        <p:spPr>
+          <a:xfrm>
+            <a:off x="219457" y="3448494"/>
+            <a:ext cx="3402303" cy="1579609"/>
+          </a:xfrm>
+          <a:prstGeom prst="rect">
+            <a:avLst/>
+          </a:prstGeom>
+        </p:spPr>
+      </p:pic>
+      <p:sp>
+        <p:nvSpPr>
+          <p:cNvPr id="11" name="Title 4">
+            <a:extLst>
+              <a:ext uri="{FF2B5EF4-FFF2-40B4-BE49-F238E27FC236}">
+                <a16:creationId xmlns:a16="http://schemas.microsoft.com/office/drawing/2014/main" id="{769AC301-F25C-46B0-B832-1557E7E92CF8}"/>
+              </a:ext>
+            </a:extLst>
+          </p:cNvPr>
+          <p:cNvSpPr txBox="1">
+            <a:spLocks/>
+          </p:cNvSpPr>
+          <p:nvPr/>
+        </p:nvSpPr>
+        <p:spPr>
+          <a:xfrm>
+            <a:off x="225171" y="220155"/>
+            <a:ext cx="11520487" cy="758824"/>
+          </a:xfrm>
+          <a:prstGeom prst="rect">
+            <a:avLst/>
+          </a:prstGeom>
+        </p:spPr>
+        <p:txBody>
+          <a:bodyPr/>
+          <a:lstStyle>
+            <a:lvl1pPr algn="l" defTabSz="914400" rtl="0" eaLnBrk="1" latinLnBrk="0" hangingPunct="1">
+              <a:lnSpc>
+                <a:spcPct val="90000"/>
+              </a:lnSpc>
+              <a:spcBef>
+                <a:spcPct val="0"/>
+              </a:spcBef>
+              <a:buNone/>
+              <a:defRPr sz="3600" b="1" kern="1200">
+                <a:solidFill>
+                  <a:schemeClr val="tx1"/>
+                </a:solidFill>
+                <a:latin typeface="+mj-lt"/>
+                <a:ea typeface="+mj-ea"/>
+                <a:cs typeface="+mj-cs"/>
+              </a:defRPr>
+            </a:lvl1pPr>
+          </a:lstStyle>
+          <a:p>
+            <a:r>
+              <a:rPr lang="en-US" dirty="0"/>
+              <a:t>Sentiment Analysis</a:t>
+            </a:r>
+          </a:p>
+        </p:txBody>
+      </p:sp>
+      <p:pic>
+        <p:nvPicPr>
+          <p:cNvPr id="12" name="Picture 11">
+            <a:extLst>
+              <a:ext uri="{FF2B5EF4-FFF2-40B4-BE49-F238E27FC236}">
+                <a16:creationId xmlns:a16="http://schemas.microsoft.com/office/drawing/2014/main" id="{64F971E5-2F93-4FB8-91D7-2FADE1797C34}"/>
+              </a:ext>
+            </a:extLst>
+          </p:cNvPr>
+          <p:cNvPicPr>
+            <a:picLocks noChangeAspect="1"/>
+          </p:cNvPicPr>
+          <p:nvPr/>
+        </p:nvPicPr>
+        <p:blipFill>
+          <a:blip r:embed="rId4"/>
+          <a:stretch>
+            <a:fillRect/>
+          </a:stretch>
+        </p:blipFill>
+        <p:spPr>
+          <a:xfrm>
+            <a:off x="4299492" y="3667602"/>
+            <a:ext cx="4945824" cy="2598781"/>
+          </a:xfrm>
+          <a:prstGeom prst="rect">
+            <a:avLst/>
+          </a:prstGeom>
+        </p:spPr>
+      </p:pic>
+      <p:sp>
+        <p:nvSpPr>
+          <p:cNvPr id="3" name="TextBox 2">
+            <a:extLst>
+              <a:ext uri="{FF2B5EF4-FFF2-40B4-BE49-F238E27FC236}">
+                <a16:creationId xmlns:a16="http://schemas.microsoft.com/office/drawing/2014/main" id="{72B546A6-3403-412F-870E-4B67ED5581BF}"/>
+              </a:ext>
+            </a:extLst>
+          </p:cNvPr>
+          <p:cNvSpPr txBox="1"/>
+          <p:nvPr/>
+        </p:nvSpPr>
+        <p:spPr>
+          <a:xfrm>
+            <a:off x="9689284" y="1466537"/>
+            <a:ext cx="1991507" cy="369332"/>
           </a:xfrm>
           <a:prstGeom prst="rect">
             <a:avLst/>
           </a:prstGeom>
           <a:noFill/>
-          <a:extLst>
-            <a:ext uri="{909E8E84-426E-40DD-AFC4-6F175D3DCCD1}">
-              <a14:hiddenFill xmlns:a14="http://schemas.microsoft.com/office/drawing/2010/main">
-                <a:solidFill>
-                  <a:srgbClr val="FFFFFF"/>
-                </a:solidFill>
-              </a14:hiddenFill>
-            </a:ext>
-          </a:extLst>
+        </p:spPr>
+        <p:txBody>
+          <a:bodyPr wrap="none" rtlCol="0">
+            <a:spAutoFit/>
+          </a:bodyPr>
+          <a:lstStyle/>
+          <a:p>
+            <a:r>
+              <a:rPr lang="en-US" dirty="0">
+                <a:solidFill>
+                  <a:schemeClr val="bg1"/>
+                </a:solidFill>
+              </a:rPr>
+              <a:t>Single Layer – LTSM</a:t>
+            </a:r>
+          </a:p>
+        </p:txBody>
+      </p:sp>
+      <p:sp>
+        <p:nvSpPr>
+          <p:cNvPr id="13" name="TextBox 12">
+            <a:extLst>
+              <a:ext uri="{FF2B5EF4-FFF2-40B4-BE49-F238E27FC236}">
+                <a16:creationId xmlns:a16="http://schemas.microsoft.com/office/drawing/2014/main" id="{3A71EC2F-12FD-4E05-9F52-10D509886578}"/>
+              </a:ext>
+            </a:extLst>
+          </p:cNvPr>
+          <p:cNvSpPr txBox="1"/>
+          <p:nvPr/>
+        </p:nvSpPr>
+        <p:spPr>
+          <a:xfrm>
+            <a:off x="9823018" y="4336970"/>
+            <a:ext cx="1961050" cy="369332"/>
+          </a:xfrm>
+          <a:prstGeom prst="rect">
+            <a:avLst/>
+          </a:prstGeom>
+          <a:noFill/>
+        </p:spPr>
+        <p:txBody>
+          <a:bodyPr wrap="none" rtlCol="0">
+            <a:spAutoFit/>
+          </a:bodyPr>
+          <a:lstStyle/>
+          <a:p>
+            <a:r>
+              <a:rPr lang="en-US" dirty="0">
+                <a:solidFill>
+                  <a:schemeClr val="bg1"/>
+                </a:solidFill>
+              </a:rPr>
+              <a:t>Multi- Layer - LTSM</a:t>
+            </a:r>
+          </a:p>
+        </p:txBody>
+      </p:sp>
+      <p:pic>
+        <p:nvPicPr>
+          <p:cNvPr id="7" name="Picture 6">
+            <a:extLst>
+              <a:ext uri="{FF2B5EF4-FFF2-40B4-BE49-F238E27FC236}">
+                <a16:creationId xmlns:a16="http://schemas.microsoft.com/office/drawing/2014/main" id="{53FFC6E1-8D6D-4D96-8332-C899F67C0949}"/>
+              </a:ext>
+            </a:extLst>
+          </p:cNvPr>
+          <p:cNvPicPr>
+            <a:picLocks noChangeAspect="1"/>
+          </p:cNvPicPr>
+          <p:nvPr/>
+        </p:nvPicPr>
+        <p:blipFill>
+          <a:blip r:embed="rId5"/>
+          <a:stretch>
+            <a:fillRect/>
+          </a:stretch>
+        </p:blipFill>
+        <p:spPr>
+          <a:xfrm>
+            <a:off x="4449934" y="201242"/>
+            <a:ext cx="4656996" cy="3303285"/>
+          </a:xfrm>
+          <a:prstGeom prst="rect">
+            <a:avLst/>
+          </a:prstGeom>
+        </p:spPr>
+      </p:pic>
+      <p:pic>
+        <p:nvPicPr>
+          <p:cNvPr id="14" name="Picture 13">
+            <a:extLst>
+              <a:ext uri="{FF2B5EF4-FFF2-40B4-BE49-F238E27FC236}">
+                <a16:creationId xmlns:a16="http://schemas.microsoft.com/office/drawing/2014/main" id="{6B9B9642-C1EE-45DA-8CF4-F4456682ABE8}"/>
+              </a:ext>
+            </a:extLst>
+          </p:cNvPr>
+          <p:cNvPicPr>
+            <a:picLocks noChangeAspect="1"/>
+          </p:cNvPicPr>
+          <p:nvPr/>
+        </p:nvPicPr>
+        <p:blipFill>
+          <a:blip r:embed="rId6"/>
+          <a:stretch>
+            <a:fillRect/>
+          </a:stretch>
+        </p:blipFill>
+        <p:spPr>
+          <a:xfrm>
+            <a:off x="148710" y="5028103"/>
+            <a:ext cx="3543795" cy="1815576"/>
+          </a:xfrm>
+          <a:prstGeom prst="rect">
+            <a:avLst/>
+          </a:prstGeom>
         </p:spPr>
       </p:pic>
     </p:spTree>
     <p:extLst>
       <p:ext uri="{BB962C8B-B14F-4D97-AF65-F5344CB8AC3E}">
-        <p14:creationId xmlns:p14="http://schemas.microsoft.com/office/powerpoint/2010/main" val="3242389936"/>
+        <p14:creationId xmlns:p14="http://schemas.microsoft.com/office/powerpoint/2010/main" val="196070355"/>
       </p:ext>
     </p:extLst>
   </p:cSld>
@@ -27889,10 +27966,10 @@
       </p:grpSpPr>
       <p:sp>
         <p:nvSpPr>
-          <p:cNvPr id="2" name="Title 1">
-            <a:extLst>
-              <a:ext uri="{FF2B5EF4-FFF2-40B4-BE49-F238E27FC236}">
-                <a16:creationId xmlns:a16="http://schemas.microsoft.com/office/drawing/2014/main" id="{68562E51-D53F-4CA2-8BF0-E130B326D56A}"/>
+          <p:cNvPr id="9" name="Title 8">
+            <a:extLst>
+              <a:ext uri="{FF2B5EF4-FFF2-40B4-BE49-F238E27FC236}">
+                <a16:creationId xmlns:a16="http://schemas.microsoft.com/office/drawing/2014/main" id="{DEF48F30-BEB4-44C7-9F35-3BBB61CF89AF}"/>
               </a:ext>
             </a:extLst>
           </p:cNvPr>
@@ -27900,61 +27977,512 @@
             <a:spLocks noGrp="1"/>
           </p:cNvSpPr>
           <p:nvPr>
-            <p:ph type="title" idx="4294967295"/>
+            <p:ph type="title"/>
           </p:nvPr>
         </p:nvSpPr>
         <p:spPr>
           <a:xfrm>
-            <a:off x="371475" y="-758824"/>
-            <a:ext cx="11520487" cy="758824"/>
-          </a:xfrm>
-        </p:spPr>
-        <p:txBody>
-          <a:bodyPr vert="horz" lIns="91440" tIns="45720" rIns="91440" bIns="45720" rtlCol="0" anchor="b">
-            <a:normAutofit/>
+            <a:off x="371475" y="260351"/>
+            <a:ext cx="11520487" cy="755649"/>
+          </a:xfrm>
+        </p:spPr>
+        <p:txBody>
+          <a:bodyPr/>
+          <a:lstStyle/>
+          <a:p>
+            <a:r>
+              <a:rPr lang="en-US" dirty="0"/>
+              <a:t>Trading Signals as Input Data</a:t>
+            </a:r>
+          </a:p>
+        </p:txBody>
+      </p:sp>
+      <p:sp>
+        <p:nvSpPr>
+          <p:cNvPr id="3" name="Slide Number Placeholder 2">
+            <a:extLst>
+              <a:ext uri="{FF2B5EF4-FFF2-40B4-BE49-F238E27FC236}">
+                <a16:creationId xmlns:a16="http://schemas.microsoft.com/office/drawing/2014/main" id="{FE60433D-E380-4571-991C-16B6CE7A48BE}"/>
+              </a:ext>
+            </a:extLst>
+          </p:cNvPr>
+          <p:cNvSpPr>
+            <a:spLocks noGrp="1"/>
+          </p:cNvSpPr>
+          <p:nvPr>
+            <p:ph type="sldNum" sz="quarter" idx="12"/>
+          </p:nvPr>
+        </p:nvSpPr>
+        <p:spPr/>
+        <p:txBody>
+          <a:bodyPr/>
+          <a:lstStyle/>
+          <a:p>
+            <a:fld id="{03DC2DEF-D2FE-4B45-ABA4-9F153FD1C98A}" type="slidenum">
+              <a:rPr lang="en-US" smtClean="0"/>
+              <a:t>4</a:t>
+            </a:fld>
+            <a:endParaRPr lang="en-US" dirty="0"/>
+          </a:p>
+        </p:txBody>
+      </p:sp>
+      <p:sp>
+        <p:nvSpPr>
+          <p:cNvPr id="10" name="Text Placeholder 9">
+            <a:extLst>
+              <a:ext uri="{FF2B5EF4-FFF2-40B4-BE49-F238E27FC236}">
+                <a16:creationId xmlns:a16="http://schemas.microsoft.com/office/drawing/2014/main" id="{41B8DC8C-1FD7-4773-B07E-7E4432766A4E}"/>
+              </a:ext>
+            </a:extLst>
+          </p:cNvPr>
+          <p:cNvSpPr>
+            <a:spLocks noGrp="1"/>
+          </p:cNvSpPr>
+          <p:nvPr>
+            <p:ph type="body" idx="1"/>
+          </p:nvPr>
+        </p:nvSpPr>
+        <p:spPr>
+          <a:xfrm>
+            <a:off x="1101482" y="5286018"/>
+            <a:ext cx="3395852" cy="267377"/>
+          </a:xfrm>
+        </p:spPr>
+        <p:txBody>
+          <a:bodyPr>
+            <a:noAutofit/>
           </a:bodyPr>
           <a:lstStyle/>
           <a:p>
             <a:r>
-              <a:rPr lang="en-US" sz="700" b="0" dirty="0">
-                <a:solidFill>
-                  <a:schemeClr val="bg1">
-                    <a:lumMod val="95000"/>
-                  </a:schemeClr>
-                </a:solidFill>
-              </a:rPr>
-              <a:t>Slide 27</a:t>
+              <a:rPr lang="en-US" sz="3600" dirty="0"/>
+              <a:t>Signals</a:t>
+            </a:r>
+          </a:p>
+        </p:txBody>
+      </p:sp>
+      <p:sp>
+        <p:nvSpPr>
+          <p:cNvPr id="28" name="Text Placeholder 9">
+            <a:extLst>
+              <a:ext uri="{FF2B5EF4-FFF2-40B4-BE49-F238E27FC236}">
+                <a16:creationId xmlns:a16="http://schemas.microsoft.com/office/drawing/2014/main" id="{4C56B901-8F10-481D-95C6-EFCCD2C24AB6}"/>
+              </a:ext>
+            </a:extLst>
+          </p:cNvPr>
+          <p:cNvSpPr txBox="1">
+            <a:spLocks/>
+          </p:cNvSpPr>
+          <p:nvPr/>
+        </p:nvSpPr>
+        <p:spPr>
+          <a:xfrm>
+            <a:off x="4509622" y="5286017"/>
+            <a:ext cx="3395852" cy="267377"/>
+          </a:xfrm>
+          <a:prstGeom prst="rect">
+            <a:avLst/>
+          </a:prstGeom>
+        </p:spPr>
+        <p:txBody>
+          <a:bodyPr vert="horz" lIns="91440" tIns="45720" rIns="91440" bIns="45720" rtlCol="0" anchor="ctr">
+            <a:noAutofit/>
+          </a:bodyPr>
+          <a:lstStyle>
+            <a:lvl1pPr marL="0" indent="0" algn="l" defTabSz="914400" rtl="0" eaLnBrk="1" latinLnBrk="0" hangingPunct="1">
+              <a:lnSpc>
+                <a:spcPct val="90000"/>
+              </a:lnSpc>
+              <a:spcBef>
+                <a:spcPts val="1000"/>
+              </a:spcBef>
+              <a:buFont typeface="Arial" panose="020B0604020202020204" pitchFamily="34" charset="0"/>
+              <a:buNone/>
+              <a:defRPr sz="2000" b="1" kern="1200">
+                <a:solidFill>
+                  <a:schemeClr val="tx1"/>
+                </a:solidFill>
+                <a:latin typeface="+mj-lt"/>
+                <a:ea typeface="+mn-ea"/>
+                <a:cs typeface="+mn-cs"/>
+              </a:defRPr>
+            </a:lvl1pPr>
+            <a:lvl2pPr marL="457200" indent="0" algn="l" defTabSz="914400" rtl="0" eaLnBrk="1" latinLnBrk="0" hangingPunct="1">
+              <a:lnSpc>
+                <a:spcPct val="90000"/>
+              </a:lnSpc>
+              <a:spcBef>
+                <a:spcPts val="500"/>
+              </a:spcBef>
+              <a:buFont typeface="Arial" panose="020B0604020202020204" pitchFamily="34" charset="0"/>
+              <a:buNone/>
+              <a:defRPr sz="2000" b="1" kern="1200">
+                <a:solidFill>
+                  <a:schemeClr val="tx1"/>
+                </a:solidFill>
+                <a:latin typeface="+mn-lt"/>
+                <a:ea typeface="+mn-ea"/>
+                <a:cs typeface="+mn-cs"/>
+              </a:defRPr>
+            </a:lvl2pPr>
+            <a:lvl3pPr marL="914400" indent="0" algn="l" defTabSz="914400" rtl="0" eaLnBrk="1" latinLnBrk="0" hangingPunct="1">
+              <a:lnSpc>
+                <a:spcPct val="90000"/>
+              </a:lnSpc>
+              <a:spcBef>
+                <a:spcPts val="500"/>
+              </a:spcBef>
+              <a:buFont typeface="Arial" panose="020B0604020202020204" pitchFamily="34" charset="0"/>
+              <a:buNone/>
+              <a:defRPr sz="1800" b="1" kern="1200">
+                <a:solidFill>
+                  <a:schemeClr val="tx1"/>
+                </a:solidFill>
+                <a:latin typeface="+mn-lt"/>
+                <a:ea typeface="+mn-ea"/>
+                <a:cs typeface="+mn-cs"/>
+              </a:defRPr>
+            </a:lvl3pPr>
+            <a:lvl4pPr marL="1371600" indent="0" algn="l" defTabSz="914400" rtl="0" eaLnBrk="1" latinLnBrk="0" hangingPunct="1">
+              <a:lnSpc>
+                <a:spcPct val="90000"/>
+              </a:lnSpc>
+              <a:spcBef>
+                <a:spcPts val="500"/>
+              </a:spcBef>
+              <a:buFont typeface="Arial" panose="020B0604020202020204" pitchFamily="34" charset="0"/>
+              <a:buNone/>
+              <a:defRPr sz="1600" b="1" kern="1200">
+                <a:solidFill>
+                  <a:schemeClr val="tx1"/>
+                </a:solidFill>
+                <a:latin typeface="+mn-lt"/>
+                <a:ea typeface="+mn-ea"/>
+                <a:cs typeface="+mn-cs"/>
+              </a:defRPr>
+            </a:lvl4pPr>
+            <a:lvl5pPr marL="1828800" indent="0" algn="l" defTabSz="914400" rtl="0" eaLnBrk="1" latinLnBrk="0" hangingPunct="1">
+              <a:lnSpc>
+                <a:spcPct val="90000"/>
+              </a:lnSpc>
+              <a:spcBef>
+                <a:spcPts val="500"/>
+              </a:spcBef>
+              <a:buFont typeface="Arial" panose="020B0604020202020204" pitchFamily="34" charset="0"/>
+              <a:buNone/>
+              <a:defRPr sz="1600" b="1" kern="1200">
+                <a:solidFill>
+                  <a:schemeClr val="tx1"/>
+                </a:solidFill>
+                <a:latin typeface="+mn-lt"/>
+                <a:ea typeface="+mn-ea"/>
+                <a:cs typeface="+mn-cs"/>
+              </a:defRPr>
+            </a:lvl5pPr>
+            <a:lvl6pPr marL="2286000" indent="0" algn="l" defTabSz="914400" rtl="0" eaLnBrk="1" latinLnBrk="0" hangingPunct="1">
+              <a:lnSpc>
+                <a:spcPct val="90000"/>
+              </a:lnSpc>
+              <a:spcBef>
+                <a:spcPts val="500"/>
+              </a:spcBef>
+              <a:buFont typeface="Arial" panose="020B0604020202020204" pitchFamily="34" charset="0"/>
+              <a:buNone/>
+              <a:defRPr sz="1600" b="1" kern="1200">
+                <a:solidFill>
+                  <a:schemeClr val="tx1"/>
+                </a:solidFill>
+                <a:latin typeface="+mn-lt"/>
+                <a:ea typeface="+mn-ea"/>
+                <a:cs typeface="+mn-cs"/>
+              </a:defRPr>
+            </a:lvl6pPr>
+            <a:lvl7pPr marL="2743200" indent="0" algn="l" defTabSz="914400" rtl="0" eaLnBrk="1" latinLnBrk="0" hangingPunct="1">
+              <a:lnSpc>
+                <a:spcPct val="90000"/>
+              </a:lnSpc>
+              <a:spcBef>
+                <a:spcPts val="500"/>
+              </a:spcBef>
+              <a:buFont typeface="Arial" panose="020B0604020202020204" pitchFamily="34" charset="0"/>
+              <a:buNone/>
+              <a:defRPr sz="1600" b="1" kern="1200">
+                <a:solidFill>
+                  <a:schemeClr val="tx1"/>
+                </a:solidFill>
+                <a:latin typeface="+mn-lt"/>
+                <a:ea typeface="+mn-ea"/>
+                <a:cs typeface="+mn-cs"/>
+              </a:defRPr>
+            </a:lvl7pPr>
+            <a:lvl8pPr marL="3200400" indent="0" algn="l" defTabSz="914400" rtl="0" eaLnBrk="1" latinLnBrk="0" hangingPunct="1">
+              <a:lnSpc>
+                <a:spcPct val="90000"/>
+              </a:lnSpc>
+              <a:spcBef>
+                <a:spcPts val="500"/>
+              </a:spcBef>
+              <a:buFont typeface="Arial" panose="020B0604020202020204" pitchFamily="34" charset="0"/>
+              <a:buNone/>
+              <a:defRPr sz="1600" b="1" kern="1200">
+                <a:solidFill>
+                  <a:schemeClr val="tx1"/>
+                </a:solidFill>
+                <a:latin typeface="+mn-lt"/>
+                <a:ea typeface="+mn-ea"/>
+                <a:cs typeface="+mn-cs"/>
+              </a:defRPr>
+            </a:lvl8pPr>
+            <a:lvl9pPr marL="3657600" indent="0" algn="l" defTabSz="914400" rtl="0" eaLnBrk="1" latinLnBrk="0" hangingPunct="1">
+              <a:lnSpc>
+                <a:spcPct val="90000"/>
+              </a:lnSpc>
+              <a:spcBef>
+                <a:spcPts val="500"/>
+              </a:spcBef>
+              <a:buFont typeface="Arial" panose="020B0604020202020204" pitchFamily="34" charset="0"/>
+              <a:buNone/>
+              <a:defRPr sz="1600" b="1" kern="1200">
+                <a:solidFill>
+                  <a:schemeClr val="tx1"/>
+                </a:solidFill>
+                <a:latin typeface="+mn-lt"/>
+                <a:ea typeface="+mn-ea"/>
+                <a:cs typeface="+mn-cs"/>
+              </a:defRPr>
+            </a:lvl9pPr>
+          </a:lstStyle>
+          <a:p>
+            <a:r>
+              <a:rPr lang="en-US" sz="3200" dirty="0"/>
+              <a:t>Generating Signals</a:t>
+            </a:r>
+          </a:p>
+        </p:txBody>
+      </p:sp>
+      <p:sp>
+        <p:nvSpPr>
+          <p:cNvPr id="31" name="Text Placeholder 9">
+            <a:extLst>
+              <a:ext uri="{FF2B5EF4-FFF2-40B4-BE49-F238E27FC236}">
+                <a16:creationId xmlns:a16="http://schemas.microsoft.com/office/drawing/2014/main" id="{22AD64E2-AA35-49FC-AB9D-E01D9045B764}"/>
+              </a:ext>
+            </a:extLst>
+          </p:cNvPr>
+          <p:cNvSpPr txBox="1">
+            <a:spLocks/>
+          </p:cNvSpPr>
+          <p:nvPr/>
+        </p:nvSpPr>
+        <p:spPr>
+          <a:xfrm>
+            <a:off x="9247333" y="5286017"/>
+            <a:ext cx="3395852" cy="267377"/>
+          </a:xfrm>
+          <a:prstGeom prst="rect">
+            <a:avLst/>
+          </a:prstGeom>
+        </p:spPr>
+        <p:txBody>
+          <a:bodyPr vert="horz" lIns="91440" tIns="45720" rIns="91440" bIns="45720" rtlCol="0" anchor="ctr">
+            <a:noAutofit/>
+          </a:bodyPr>
+          <a:lstStyle>
+            <a:lvl1pPr marL="0" indent="0" algn="l" defTabSz="914400" rtl="0" eaLnBrk="1" latinLnBrk="0" hangingPunct="1">
+              <a:lnSpc>
+                <a:spcPct val="90000"/>
+              </a:lnSpc>
+              <a:spcBef>
+                <a:spcPts val="1000"/>
+              </a:spcBef>
+              <a:buFont typeface="Arial" panose="020B0604020202020204" pitchFamily="34" charset="0"/>
+              <a:buNone/>
+              <a:defRPr sz="2000" b="1" kern="1200">
+                <a:solidFill>
+                  <a:schemeClr val="tx1"/>
+                </a:solidFill>
+                <a:latin typeface="+mj-lt"/>
+                <a:ea typeface="+mn-ea"/>
+                <a:cs typeface="+mn-cs"/>
+              </a:defRPr>
+            </a:lvl1pPr>
+            <a:lvl2pPr marL="457200" indent="0" algn="l" defTabSz="914400" rtl="0" eaLnBrk="1" latinLnBrk="0" hangingPunct="1">
+              <a:lnSpc>
+                <a:spcPct val="90000"/>
+              </a:lnSpc>
+              <a:spcBef>
+                <a:spcPts val="500"/>
+              </a:spcBef>
+              <a:buFont typeface="Arial" panose="020B0604020202020204" pitchFamily="34" charset="0"/>
+              <a:buNone/>
+              <a:defRPr sz="2000" b="1" kern="1200">
+                <a:solidFill>
+                  <a:schemeClr val="tx1"/>
+                </a:solidFill>
+                <a:latin typeface="+mn-lt"/>
+                <a:ea typeface="+mn-ea"/>
+                <a:cs typeface="+mn-cs"/>
+              </a:defRPr>
+            </a:lvl2pPr>
+            <a:lvl3pPr marL="914400" indent="0" algn="l" defTabSz="914400" rtl="0" eaLnBrk="1" latinLnBrk="0" hangingPunct="1">
+              <a:lnSpc>
+                <a:spcPct val="90000"/>
+              </a:lnSpc>
+              <a:spcBef>
+                <a:spcPts val="500"/>
+              </a:spcBef>
+              <a:buFont typeface="Arial" panose="020B0604020202020204" pitchFamily="34" charset="0"/>
+              <a:buNone/>
+              <a:defRPr sz="1800" b="1" kern="1200">
+                <a:solidFill>
+                  <a:schemeClr val="tx1"/>
+                </a:solidFill>
+                <a:latin typeface="+mn-lt"/>
+                <a:ea typeface="+mn-ea"/>
+                <a:cs typeface="+mn-cs"/>
+              </a:defRPr>
+            </a:lvl3pPr>
+            <a:lvl4pPr marL="1371600" indent="0" algn="l" defTabSz="914400" rtl="0" eaLnBrk="1" latinLnBrk="0" hangingPunct="1">
+              <a:lnSpc>
+                <a:spcPct val="90000"/>
+              </a:lnSpc>
+              <a:spcBef>
+                <a:spcPts val="500"/>
+              </a:spcBef>
+              <a:buFont typeface="Arial" panose="020B0604020202020204" pitchFamily="34" charset="0"/>
+              <a:buNone/>
+              <a:defRPr sz="1600" b="1" kern="1200">
+                <a:solidFill>
+                  <a:schemeClr val="tx1"/>
+                </a:solidFill>
+                <a:latin typeface="+mn-lt"/>
+                <a:ea typeface="+mn-ea"/>
+                <a:cs typeface="+mn-cs"/>
+              </a:defRPr>
+            </a:lvl4pPr>
+            <a:lvl5pPr marL="1828800" indent="0" algn="l" defTabSz="914400" rtl="0" eaLnBrk="1" latinLnBrk="0" hangingPunct="1">
+              <a:lnSpc>
+                <a:spcPct val="90000"/>
+              </a:lnSpc>
+              <a:spcBef>
+                <a:spcPts val="500"/>
+              </a:spcBef>
+              <a:buFont typeface="Arial" panose="020B0604020202020204" pitchFamily="34" charset="0"/>
+              <a:buNone/>
+              <a:defRPr sz="1600" b="1" kern="1200">
+                <a:solidFill>
+                  <a:schemeClr val="tx1"/>
+                </a:solidFill>
+                <a:latin typeface="+mn-lt"/>
+                <a:ea typeface="+mn-ea"/>
+                <a:cs typeface="+mn-cs"/>
+              </a:defRPr>
+            </a:lvl5pPr>
+            <a:lvl6pPr marL="2286000" indent="0" algn="l" defTabSz="914400" rtl="0" eaLnBrk="1" latinLnBrk="0" hangingPunct="1">
+              <a:lnSpc>
+                <a:spcPct val="90000"/>
+              </a:lnSpc>
+              <a:spcBef>
+                <a:spcPts val="500"/>
+              </a:spcBef>
+              <a:buFont typeface="Arial" panose="020B0604020202020204" pitchFamily="34" charset="0"/>
+              <a:buNone/>
+              <a:defRPr sz="1600" b="1" kern="1200">
+                <a:solidFill>
+                  <a:schemeClr val="tx1"/>
+                </a:solidFill>
+                <a:latin typeface="+mn-lt"/>
+                <a:ea typeface="+mn-ea"/>
+                <a:cs typeface="+mn-cs"/>
+              </a:defRPr>
+            </a:lvl6pPr>
+            <a:lvl7pPr marL="2743200" indent="0" algn="l" defTabSz="914400" rtl="0" eaLnBrk="1" latinLnBrk="0" hangingPunct="1">
+              <a:lnSpc>
+                <a:spcPct val="90000"/>
+              </a:lnSpc>
+              <a:spcBef>
+                <a:spcPts val="500"/>
+              </a:spcBef>
+              <a:buFont typeface="Arial" panose="020B0604020202020204" pitchFamily="34" charset="0"/>
+              <a:buNone/>
+              <a:defRPr sz="1600" b="1" kern="1200">
+                <a:solidFill>
+                  <a:schemeClr val="tx1"/>
+                </a:solidFill>
+                <a:latin typeface="+mn-lt"/>
+                <a:ea typeface="+mn-ea"/>
+                <a:cs typeface="+mn-cs"/>
+              </a:defRPr>
+            </a:lvl7pPr>
+            <a:lvl8pPr marL="3200400" indent="0" algn="l" defTabSz="914400" rtl="0" eaLnBrk="1" latinLnBrk="0" hangingPunct="1">
+              <a:lnSpc>
+                <a:spcPct val="90000"/>
+              </a:lnSpc>
+              <a:spcBef>
+                <a:spcPts val="500"/>
+              </a:spcBef>
+              <a:buFont typeface="Arial" panose="020B0604020202020204" pitchFamily="34" charset="0"/>
+              <a:buNone/>
+              <a:defRPr sz="1600" b="1" kern="1200">
+                <a:solidFill>
+                  <a:schemeClr val="tx1"/>
+                </a:solidFill>
+                <a:latin typeface="+mn-lt"/>
+                <a:ea typeface="+mn-ea"/>
+                <a:cs typeface="+mn-cs"/>
+              </a:defRPr>
+            </a:lvl8pPr>
+            <a:lvl9pPr marL="3657600" indent="0" algn="l" defTabSz="914400" rtl="0" eaLnBrk="1" latinLnBrk="0" hangingPunct="1">
+              <a:lnSpc>
+                <a:spcPct val="90000"/>
+              </a:lnSpc>
+              <a:spcBef>
+                <a:spcPts val="500"/>
+              </a:spcBef>
+              <a:buFont typeface="Arial" panose="020B0604020202020204" pitchFamily="34" charset="0"/>
+              <a:buNone/>
+              <a:defRPr sz="1600" b="1" kern="1200">
+                <a:solidFill>
+                  <a:schemeClr val="tx1"/>
+                </a:solidFill>
+                <a:latin typeface="+mn-lt"/>
+                <a:ea typeface="+mn-ea"/>
+                <a:cs typeface="+mn-cs"/>
+              </a:defRPr>
+            </a:lvl9pPr>
+          </a:lstStyle>
+          <a:p>
+            <a:r>
+              <a:rPr lang="en-US" sz="3200" dirty="0"/>
+              <a:t>Buy/Sells</a:t>
             </a:r>
           </a:p>
         </p:txBody>
       </p:sp>
       <p:pic>
         <p:nvPicPr>
-          <p:cNvPr id="5" name="Picture Placeholder 4">
-            <a:extLst>
-              <a:ext uri="{FF2B5EF4-FFF2-40B4-BE49-F238E27FC236}">
-                <a16:creationId xmlns:a16="http://schemas.microsoft.com/office/drawing/2014/main" id="{EDBC911A-8A38-4390-B18F-C1CCC90A9693}"/>
+          <p:cNvPr id="38" name="Picture 37">
+            <a:extLst>
+              <a:ext uri="{FF2B5EF4-FFF2-40B4-BE49-F238E27FC236}">
+                <a16:creationId xmlns:a16="http://schemas.microsoft.com/office/drawing/2014/main" id="{B2B11B61-EDFC-4F9A-AC1F-F563CC710A0D}"/>
               </a:ext>
             </a:extLst>
           </p:cNvPr>
           <p:cNvPicPr>
-            <a:picLocks noGrp="1" noChangeAspect="1"/>
+            <a:picLocks noChangeAspect="1"/>
           </p:cNvPicPr>
-          <p:nvPr>
-            <p:ph type="pic" sz="quarter" idx="13"/>
-          </p:nvPr>
+          <p:nvPr/>
         </p:nvPicPr>
         <p:blipFill>
           <a:blip r:embed="rId2"/>
-          <a:srcRect t="857" b="857"/>
           <a:stretch>
             <a:fillRect/>
           </a:stretch>
         </p:blipFill>
         <p:spPr>
           <a:xfrm>
-            <a:off x="219457" y="1199134"/>
-            <a:ext cx="3425446" cy="2029205"/>
+            <a:off x="252149" y="1578032"/>
+            <a:ext cx="3702126" cy="3031825"/>
           </a:xfrm>
           <a:prstGeom prst="rect">
             <a:avLst/>
@@ -27963,10 +28491,10 @@
       </p:pic>
       <p:pic>
         <p:nvPicPr>
-          <p:cNvPr id="6" name="Picture 5">
-            <a:extLst>
-              <a:ext uri="{FF2B5EF4-FFF2-40B4-BE49-F238E27FC236}">
-                <a16:creationId xmlns:a16="http://schemas.microsoft.com/office/drawing/2014/main" id="{7CFD97B1-6F1C-4B5F-9D64-B7C385B2E7E7}"/>
+          <p:cNvPr id="40" name="Picture 39">
+            <a:extLst>
+              <a:ext uri="{FF2B5EF4-FFF2-40B4-BE49-F238E27FC236}">
+                <a16:creationId xmlns:a16="http://schemas.microsoft.com/office/drawing/2014/main" id="{4262E29A-49F8-49E2-99B0-64A2460684F5}"/>
               </a:ext>
             </a:extLst>
           </p:cNvPr>
@@ -27983,8 +28511,8 @@
         </p:blipFill>
         <p:spPr>
           <a:xfrm>
-            <a:off x="242599" y="5020050"/>
-            <a:ext cx="3402303" cy="1579609"/>
+            <a:off x="4203348" y="1548816"/>
+            <a:ext cx="3702126" cy="3156206"/>
           </a:xfrm>
           <a:prstGeom prst="rect">
             <a:avLst/>
@@ -27993,10 +28521,10 @@
       </p:pic>
       <p:pic>
         <p:nvPicPr>
-          <p:cNvPr id="8" name="Picture 7">
-            <a:extLst>
-              <a:ext uri="{FF2B5EF4-FFF2-40B4-BE49-F238E27FC236}">
-                <a16:creationId xmlns:a16="http://schemas.microsoft.com/office/drawing/2014/main" id="{1BD40E7E-BF13-44C5-BF8B-31FF854E3A80}"/>
+          <p:cNvPr id="41" name="Picture 40">
+            <a:extLst>
+              <a:ext uri="{FF2B5EF4-FFF2-40B4-BE49-F238E27FC236}">
+                <a16:creationId xmlns:a16="http://schemas.microsoft.com/office/drawing/2014/main" id="{217CE65A-5515-4CE1-A15F-34493C22519B}"/>
               </a:ext>
             </a:extLst>
           </p:cNvPr>
@@ -28013,208 +28541,18 @@
         </p:blipFill>
         <p:spPr>
           <a:xfrm>
-            <a:off x="219457" y="3429000"/>
-            <a:ext cx="3425445" cy="1390389"/>
+            <a:off x="8208374" y="1554582"/>
+            <a:ext cx="3731477" cy="3370985"/>
           </a:xfrm>
           <a:prstGeom prst="rect">
             <a:avLst/>
           </a:prstGeom>
         </p:spPr>
       </p:pic>
-      <p:sp>
-        <p:nvSpPr>
-          <p:cNvPr id="11" name="Title 4">
-            <a:extLst>
-              <a:ext uri="{FF2B5EF4-FFF2-40B4-BE49-F238E27FC236}">
-                <a16:creationId xmlns:a16="http://schemas.microsoft.com/office/drawing/2014/main" id="{769AC301-F25C-46B0-B832-1557E7E92CF8}"/>
-              </a:ext>
-            </a:extLst>
-          </p:cNvPr>
-          <p:cNvSpPr txBox="1">
-            <a:spLocks/>
-          </p:cNvSpPr>
-          <p:nvPr/>
-        </p:nvSpPr>
-        <p:spPr>
-          <a:xfrm>
-            <a:off x="225171" y="220155"/>
-            <a:ext cx="11520487" cy="758824"/>
-          </a:xfrm>
-          <a:prstGeom prst="rect">
-            <a:avLst/>
-          </a:prstGeom>
-        </p:spPr>
-        <p:txBody>
-          <a:bodyPr/>
-          <a:lstStyle>
-            <a:lvl1pPr algn="l" defTabSz="914400" rtl="0" eaLnBrk="1" latinLnBrk="0" hangingPunct="1">
-              <a:lnSpc>
-                <a:spcPct val="90000"/>
-              </a:lnSpc>
-              <a:spcBef>
-                <a:spcPct val="0"/>
-              </a:spcBef>
-              <a:buNone/>
-              <a:defRPr sz="3600" b="1" kern="1200">
-                <a:solidFill>
-                  <a:schemeClr val="tx1"/>
-                </a:solidFill>
-                <a:latin typeface="+mj-lt"/>
-                <a:ea typeface="+mj-ea"/>
-                <a:cs typeface="+mj-cs"/>
-              </a:defRPr>
-            </a:lvl1pPr>
-          </a:lstStyle>
-          <a:p>
-            <a:r>
-              <a:rPr lang="en-US" dirty="0"/>
-              <a:t>Sentiment Analysis</a:t>
-            </a:r>
-          </a:p>
-        </p:txBody>
-      </p:sp>
-      <p:pic>
-        <p:nvPicPr>
-          <p:cNvPr id="10" name="Picture 9">
-            <a:extLst>
-              <a:ext uri="{FF2B5EF4-FFF2-40B4-BE49-F238E27FC236}">
-                <a16:creationId xmlns:a16="http://schemas.microsoft.com/office/drawing/2014/main" id="{2C167F38-462E-4796-84A5-38376E1DC0F7}"/>
-              </a:ext>
-            </a:extLst>
-          </p:cNvPr>
-          <p:cNvPicPr>
-            <a:picLocks noChangeAspect="1"/>
-          </p:cNvPicPr>
-          <p:nvPr/>
-        </p:nvPicPr>
-        <p:blipFill>
-          <a:blip r:embed="rId5"/>
-          <a:stretch>
-            <a:fillRect/>
-          </a:stretch>
-        </p:blipFill>
-        <p:spPr>
-          <a:xfrm>
-            <a:off x="4588320" y="1190537"/>
-            <a:ext cx="4945824" cy="2598782"/>
-          </a:xfrm>
-          <a:prstGeom prst="rect">
-            <a:avLst/>
-          </a:prstGeom>
-        </p:spPr>
-      </p:pic>
-      <p:pic>
-        <p:nvPicPr>
-          <p:cNvPr id="12" name="Picture 11">
-            <a:extLst>
-              <a:ext uri="{FF2B5EF4-FFF2-40B4-BE49-F238E27FC236}">
-                <a16:creationId xmlns:a16="http://schemas.microsoft.com/office/drawing/2014/main" id="{64F971E5-2F93-4FB8-91D7-2FADE1797C34}"/>
-              </a:ext>
-            </a:extLst>
-          </p:cNvPr>
-          <p:cNvPicPr>
-            <a:picLocks noChangeAspect="1"/>
-          </p:cNvPicPr>
-          <p:nvPr/>
-        </p:nvPicPr>
-        <p:blipFill>
-          <a:blip r:embed="rId6"/>
-          <a:stretch>
-            <a:fillRect/>
-          </a:stretch>
-        </p:blipFill>
-        <p:spPr>
-          <a:xfrm>
-            <a:off x="4588320" y="4000877"/>
-            <a:ext cx="4945824" cy="2598781"/>
-          </a:xfrm>
-          <a:prstGeom prst="rect">
-            <a:avLst/>
-          </a:prstGeom>
-        </p:spPr>
-      </p:pic>
-      <p:sp>
-        <p:nvSpPr>
-          <p:cNvPr id="3" name="TextBox 2">
-            <a:extLst>
-              <a:ext uri="{FF2B5EF4-FFF2-40B4-BE49-F238E27FC236}">
-                <a16:creationId xmlns:a16="http://schemas.microsoft.com/office/drawing/2014/main" id="{72B546A6-3403-412F-870E-4B67ED5581BF}"/>
-              </a:ext>
-            </a:extLst>
-          </p:cNvPr>
-          <p:cNvSpPr txBox="1"/>
-          <p:nvPr/>
-        </p:nvSpPr>
-        <p:spPr>
-          <a:xfrm>
-            <a:off x="9689284" y="1466537"/>
-            <a:ext cx="1991507" cy="369332"/>
-          </a:xfrm>
-          <a:prstGeom prst="rect">
-            <a:avLst/>
-          </a:prstGeom>
-          <a:noFill/>
-        </p:spPr>
-        <p:txBody>
-          <a:bodyPr wrap="none" rtlCol="0">
-            <a:spAutoFit/>
-          </a:bodyPr>
-          <a:lstStyle/>
-          <a:p>
-            <a:r>
-              <a:rPr lang="en-US" dirty="0">
-                <a:solidFill>
-                  <a:schemeClr val="bg1"/>
-                </a:solidFill>
-              </a:rPr>
-              <a:t>Single Layer – LTSM</a:t>
-            </a:r>
-          </a:p>
-        </p:txBody>
-      </p:sp>
-      <p:sp>
-        <p:nvSpPr>
-          <p:cNvPr id="13" name="TextBox 12">
-            <a:extLst>
-              <a:ext uri="{FF2B5EF4-FFF2-40B4-BE49-F238E27FC236}">
-                <a16:creationId xmlns:a16="http://schemas.microsoft.com/office/drawing/2014/main" id="{3A71EC2F-12FD-4E05-9F52-10D509886578}"/>
-              </a:ext>
-            </a:extLst>
-          </p:cNvPr>
-          <p:cNvSpPr txBox="1"/>
-          <p:nvPr/>
-        </p:nvSpPr>
-        <p:spPr>
-          <a:xfrm>
-            <a:off x="9823018" y="4336970"/>
-            <a:ext cx="1961050" cy="369332"/>
-          </a:xfrm>
-          <a:prstGeom prst="rect">
-            <a:avLst/>
-          </a:prstGeom>
-          <a:noFill/>
-        </p:spPr>
-        <p:txBody>
-          <a:bodyPr wrap="none" rtlCol="0">
-            <a:spAutoFit/>
-          </a:bodyPr>
-          <a:lstStyle/>
-          <a:p>
-            <a:r>
-              <a:rPr lang="en-US" dirty="0">
-                <a:solidFill>
-                  <a:schemeClr val="bg1"/>
-                </a:solidFill>
-              </a:rPr>
-              <a:t>Multi- Layer - LTSM</a:t>
-            </a:r>
-          </a:p>
-        </p:txBody>
-      </p:sp>
     </p:spTree>
     <p:extLst>
       <p:ext uri="{BB962C8B-B14F-4D97-AF65-F5344CB8AC3E}">
-        <p14:creationId xmlns:p14="http://schemas.microsoft.com/office/powerpoint/2010/main" val="196070355"/>
+        <p14:creationId xmlns:p14="http://schemas.microsoft.com/office/powerpoint/2010/main" val="1154969311"/>
       </p:ext>
     </p:extLst>
   </p:cSld>
@@ -28243,10 +28581,10 @@
       </p:grpSpPr>
       <p:sp>
         <p:nvSpPr>
-          <p:cNvPr id="9" name="Title 8">
-            <a:extLst>
-              <a:ext uri="{FF2B5EF4-FFF2-40B4-BE49-F238E27FC236}">
-                <a16:creationId xmlns:a16="http://schemas.microsoft.com/office/drawing/2014/main" id="{DEF48F30-BEB4-44C7-9F35-3BBB61CF89AF}"/>
+          <p:cNvPr id="2" name="Title 1">
+            <a:extLst>
+              <a:ext uri="{FF2B5EF4-FFF2-40B4-BE49-F238E27FC236}">
+                <a16:creationId xmlns:a16="http://schemas.microsoft.com/office/drawing/2014/main" id="{7E2781CB-D0EF-4851-9DBE-E5AE76114572}"/>
               </a:ext>
             </a:extLst>
           </p:cNvPr>
@@ -28257,19 +28595,14 @@
             <p:ph type="title"/>
           </p:nvPr>
         </p:nvSpPr>
-        <p:spPr>
-          <a:xfrm>
-            <a:off x="371475" y="260351"/>
-            <a:ext cx="11520487" cy="755649"/>
-          </a:xfrm>
-        </p:spPr>
+        <p:spPr/>
         <p:txBody>
           <a:bodyPr/>
           <a:lstStyle/>
           <a:p>
             <a:r>
               <a:rPr lang="en-US" dirty="0"/>
-              <a:t>Trading Signals as Input Data</a:t>
+              <a:t>Profit &amp; Loss</a:t>
             </a:r>
           </a:p>
         </p:txBody>
@@ -28279,7 +28612,7 @@
           <p:cNvPr id="3" name="Slide Number Placeholder 2">
             <a:extLst>
               <a:ext uri="{FF2B5EF4-FFF2-40B4-BE49-F238E27FC236}">
-                <a16:creationId xmlns:a16="http://schemas.microsoft.com/office/drawing/2014/main" id="{FE60433D-E380-4571-991C-16B6CE7A48BE}"/>
+                <a16:creationId xmlns:a16="http://schemas.microsoft.com/office/drawing/2014/main" id="{80EAD497-6281-45F0-8E9A-B25A29E78A96}"/>
               </a:ext>
             </a:extLst>
           </p:cNvPr>
@@ -28303,445 +28636,12 @@
           </a:p>
         </p:txBody>
       </p:sp>
-      <p:sp>
-        <p:nvSpPr>
-          <p:cNvPr id="10" name="Text Placeholder 9">
-            <a:extLst>
-              <a:ext uri="{FF2B5EF4-FFF2-40B4-BE49-F238E27FC236}">
-                <a16:creationId xmlns:a16="http://schemas.microsoft.com/office/drawing/2014/main" id="{41B8DC8C-1FD7-4773-B07E-7E4432766A4E}"/>
-              </a:ext>
-            </a:extLst>
-          </p:cNvPr>
-          <p:cNvSpPr>
-            <a:spLocks noGrp="1"/>
-          </p:cNvSpPr>
-          <p:nvPr>
-            <p:ph type="body" idx="1"/>
-          </p:nvPr>
-        </p:nvSpPr>
-        <p:spPr>
-          <a:xfrm>
-            <a:off x="1101482" y="5286018"/>
-            <a:ext cx="3395852" cy="267377"/>
-          </a:xfrm>
-        </p:spPr>
-        <p:txBody>
-          <a:bodyPr>
-            <a:noAutofit/>
-          </a:bodyPr>
-          <a:lstStyle/>
-          <a:p>
-            <a:r>
-              <a:rPr lang="en-US" sz="3600" dirty="0"/>
-              <a:t>Signals</a:t>
-            </a:r>
-          </a:p>
-        </p:txBody>
-      </p:sp>
-      <p:sp>
-        <p:nvSpPr>
-          <p:cNvPr id="28" name="Text Placeholder 9">
-            <a:extLst>
-              <a:ext uri="{FF2B5EF4-FFF2-40B4-BE49-F238E27FC236}">
-                <a16:creationId xmlns:a16="http://schemas.microsoft.com/office/drawing/2014/main" id="{4C56B901-8F10-481D-95C6-EFCCD2C24AB6}"/>
-              </a:ext>
-            </a:extLst>
-          </p:cNvPr>
-          <p:cNvSpPr txBox="1">
-            <a:spLocks/>
-          </p:cNvSpPr>
-          <p:nvPr/>
-        </p:nvSpPr>
-        <p:spPr>
-          <a:xfrm>
-            <a:off x="4509622" y="5286017"/>
-            <a:ext cx="3395852" cy="267377"/>
-          </a:xfrm>
-          <a:prstGeom prst="rect">
-            <a:avLst/>
-          </a:prstGeom>
-        </p:spPr>
-        <p:txBody>
-          <a:bodyPr vert="horz" lIns="91440" tIns="45720" rIns="91440" bIns="45720" rtlCol="0" anchor="ctr">
-            <a:noAutofit/>
-          </a:bodyPr>
-          <a:lstStyle>
-            <a:lvl1pPr marL="0" indent="0" algn="l" defTabSz="914400" rtl="0" eaLnBrk="1" latinLnBrk="0" hangingPunct="1">
-              <a:lnSpc>
-                <a:spcPct val="90000"/>
-              </a:lnSpc>
-              <a:spcBef>
-                <a:spcPts val="1000"/>
-              </a:spcBef>
-              <a:buFont typeface="Arial" panose="020B0604020202020204" pitchFamily="34" charset="0"/>
-              <a:buNone/>
-              <a:defRPr sz="2000" b="1" kern="1200">
-                <a:solidFill>
-                  <a:schemeClr val="tx1"/>
-                </a:solidFill>
-                <a:latin typeface="+mj-lt"/>
-                <a:ea typeface="+mn-ea"/>
-                <a:cs typeface="+mn-cs"/>
-              </a:defRPr>
-            </a:lvl1pPr>
-            <a:lvl2pPr marL="457200" indent="0" algn="l" defTabSz="914400" rtl="0" eaLnBrk="1" latinLnBrk="0" hangingPunct="1">
-              <a:lnSpc>
-                <a:spcPct val="90000"/>
-              </a:lnSpc>
-              <a:spcBef>
-                <a:spcPts val="500"/>
-              </a:spcBef>
-              <a:buFont typeface="Arial" panose="020B0604020202020204" pitchFamily="34" charset="0"/>
-              <a:buNone/>
-              <a:defRPr sz="2000" b="1" kern="1200">
-                <a:solidFill>
-                  <a:schemeClr val="tx1"/>
-                </a:solidFill>
-                <a:latin typeface="+mn-lt"/>
-                <a:ea typeface="+mn-ea"/>
-                <a:cs typeface="+mn-cs"/>
-              </a:defRPr>
-            </a:lvl2pPr>
-            <a:lvl3pPr marL="914400" indent="0" algn="l" defTabSz="914400" rtl="0" eaLnBrk="1" latinLnBrk="0" hangingPunct="1">
-              <a:lnSpc>
-                <a:spcPct val="90000"/>
-              </a:lnSpc>
-              <a:spcBef>
-                <a:spcPts val="500"/>
-              </a:spcBef>
-              <a:buFont typeface="Arial" panose="020B0604020202020204" pitchFamily="34" charset="0"/>
-              <a:buNone/>
-              <a:defRPr sz="1800" b="1" kern="1200">
-                <a:solidFill>
-                  <a:schemeClr val="tx1"/>
-                </a:solidFill>
-                <a:latin typeface="+mn-lt"/>
-                <a:ea typeface="+mn-ea"/>
-                <a:cs typeface="+mn-cs"/>
-              </a:defRPr>
-            </a:lvl3pPr>
-            <a:lvl4pPr marL="1371600" indent="0" algn="l" defTabSz="914400" rtl="0" eaLnBrk="1" latinLnBrk="0" hangingPunct="1">
-              <a:lnSpc>
-                <a:spcPct val="90000"/>
-              </a:lnSpc>
-              <a:spcBef>
-                <a:spcPts val="500"/>
-              </a:spcBef>
-              <a:buFont typeface="Arial" panose="020B0604020202020204" pitchFamily="34" charset="0"/>
-              <a:buNone/>
-              <a:defRPr sz="1600" b="1" kern="1200">
-                <a:solidFill>
-                  <a:schemeClr val="tx1"/>
-                </a:solidFill>
-                <a:latin typeface="+mn-lt"/>
-                <a:ea typeface="+mn-ea"/>
-                <a:cs typeface="+mn-cs"/>
-              </a:defRPr>
-            </a:lvl4pPr>
-            <a:lvl5pPr marL="1828800" indent="0" algn="l" defTabSz="914400" rtl="0" eaLnBrk="1" latinLnBrk="0" hangingPunct="1">
-              <a:lnSpc>
-                <a:spcPct val="90000"/>
-              </a:lnSpc>
-              <a:spcBef>
-                <a:spcPts val="500"/>
-              </a:spcBef>
-              <a:buFont typeface="Arial" panose="020B0604020202020204" pitchFamily="34" charset="0"/>
-              <a:buNone/>
-              <a:defRPr sz="1600" b="1" kern="1200">
-                <a:solidFill>
-                  <a:schemeClr val="tx1"/>
-                </a:solidFill>
-                <a:latin typeface="+mn-lt"/>
-                <a:ea typeface="+mn-ea"/>
-                <a:cs typeface="+mn-cs"/>
-              </a:defRPr>
-            </a:lvl5pPr>
-            <a:lvl6pPr marL="2286000" indent="0" algn="l" defTabSz="914400" rtl="0" eaLnBrk="1" latinLnBrk="0" hangingPunct="1">
-              <a:lnSpc>
-                <a:spcPct val="90000"/>
-              </a:lnSpc>
-              <a:spcBef>
-                <a:spcPts val="500"/>
-              </a:spcBef>
-              <a:buFont typeface="Arial" panose="020B0604020202020204" pitchFamily="34" charset="0"/>
-              <a:buNone/>
-              <a:defRPr sz="1600" b="1" kern="1200">
-                <a:solidFill>
-                  <a:schemeClr val="tx1"/>
-                </a:solidFill>
-                <a:latin typeface="+mn-lt"/>
-                <a:ea typeface="+mn-ea"/>
-                <a:cs typeface="+mn-cs"/>
-              </a:defRPr>
-            </a:lvl6pPr>
-            <a:lvl7pPr marL="2743200" indent="0" algn="l" defTabSz="914400" rtl="0" eaLnBrk="1" latinLnBrk="0" hangingPunct="1">
-              <a:lnSpc>
-                <a:spcPct val="90000"/>
-              </a:lnSpc>
-              <a:spcBef>
-                <a:spcPts val="500"/>
-              </a:spcBef>
-              <a:buFont typeface="Arial" panose="020B0604020202020204" pitchFamily="34" charset="0"/>
-              <a:buNone/>
-              <a:defRPr sz="1600" b="1" kern="1200">
-                <a:solidFill>
-                  <a:schemeClr val="tx1"/>
-                </a:solidFill>
-                <a:latin typeface="+mn-lt"/>
-                <a:ea typeface="+mn-ea"/>
-                <a:cs typeface="+mn-cs"/>
-              </a:defRPr>
-            </a:lvl7pPr>
-            <a:lvl8pPr marL="3200400" indent="0" algn="l" defTabSz="914400" rtl="0" eaLnBrk="1" latinLnBrk="0" hangingPunct="1">
-              <a:lnSpc>
-                <a:spcPct val="90000"/>
-              </a:lnSpc>
-              <a:spcBef>
-                <a:spcPts val="500"/>
-              </a:spcBef>
-              <a:buFont typeface="Arial" panose="020B0604020202020204" pitchFamily="34" charset="0"/>
-              <a:buNone/>
-              <a:defRPr sz="1600" b="1" kern="1200">
-                <a:solidFill>
-                  <a:schemeClr val="tx1"/>
-                </a:solidFill>
-                <a:latin typeface="+mn-lt"/>
-                <a:ea typeface="+mn-ea"/>
-                <a:cs typeface="+mn-cs"/>
-              </a:defRPr>
-            </a:lvl8pPr>
-            <a:lvl9pPr marL="3657600" indent="0" algn="l" defTabSz="914400" rtl="0" eaLnBrk="1" latinLnBrk="0" hangingPunct="1">
-              <a:lnSpc>
-                <a:spcPct val="90000"/>
-              </a:lnSpc>
-              <a:spcBef>
-                <a:spcPts val="500"/>
-              </a:spcBef>
-              <a:buFont typeface="Arial" panose="020B0604020202020204" pitchFamily="34" charset="0"/>
-              <a:buNone/>
-              <a:defRPr sz="1600" b="1" kern="1200">
-                <a:solidFill>
-                  <a:schemeClr val="tx1"/>
-                </a:solidFill>
-                <a:latin typeface="+mn-lt"/>
-                <a:ea typeface="+mn-ea"/>
-                <a:cs typeface="+mn-cs"/>
-              </a:defRPr>
-            </a:lvl9pPr>
-          </a:lstStyle>
-          <a:p>
-            <a:r>
-              <a:rPr lang="en-US" sz="3200" dirty="0"/>
-              <a:t>Generating Signals</a:t>
-            </a:r>
-          </a:p>
-        </p:txBody>
-      </p:sp>
-      <p:sp>
-        <p:nvSpPr>
-          <p:cNvPr id="31" name="Text Placeholder 9">
-            <a:extLst>
-              <a:ext uri="{FF2B5EF4-FFF2-40B4-BE49-F238E27FC236}">
-                <a16:creationId xmlns:a16="http://schemas.microsoft.com/office/drawing/2014/main" id="{22AD64E2-AA35-49FC-AB9D-E01D9045B764}"/>
-              </a:ext>
-            </a:extLst>
-          </p:cNvPr>
-          <p:cNvSpPr txBox="1">
-            <a:spLocks/>
-          </p:cNvSpPr>
-          <p:nvPr/>
-        </p:nvSpPr>
-        <p:spPr>
-          <a:xfrm>
-            <a:off x="9247333" y="5286017"/>
-            <a:ext cx="3395852" cy="267377"/>
-          </a:xfrm>
-          <a:prstGeom prst="rect">
-            <a:avLst/>
-          </a:prstGeom>
-        </p:spPr>
-        <p:txBody>
-          <a:bodyPr vert="horz" lIns="91440" tIns="45720" rIns="91440" bIns="45720" rtlCol="0" anchor="ctr">
-            <a:noAutofit/>
-          </a:bodyPr>
-          <a:lstStyle>
-            <a:lvl1pPr marL="0" indent="0" algn="l" defTabSz="914400" rtl="0" eaLnBrk="1" latinLnBrk="0" hangingPunct="1">
-              <a:lnSpc>
-                <a:spcPct val="90000"/>
-              </a:lnSpc>
-              <a:spcBef>
-                <a:spcPts val="1000"/>
-              </a:spcBef>
-              <a:buFont typeface="Arial" panose="020B0604020202020204" pitchFamily="34" charset="0"/>
-              <a:buNone/>
-              <a:defRPr sz="2000" b="1" kern="1200">
-                <a:solidFill>
-                  <a:schemeClr val="tx1"/>
-                </a:solidFill>
-                <a:latin typeface="+mj-lt"/>
-                <a:ea typeface="+mn-ea"/>
-                <a:cs typeface="+mn-cs"/>
-              </a:defRPr>
-            </a:lvl1pPr>
-            <a:lvl2pPr marL="457200" indent="0" algn="l" defTabSz="914400" rtl="0" eaLnBrk="1" latinLnBrk="0" hangingPunct="1">
-              <a:lnSpc>
-                <a:spcPct val="90000"/>
-              </a:lnSpc>
-              <a:spcBef>
-                <a:spcPts val="500"/>
-              </a:spcBef>
-              <a:buFont typeface="Arial" panose="020B0604020202020204" pitchFamily="34" charset="0"/>
-              <a:buNone/>
-              <a:defRPr sz="2000" b="1" kern="1200">
-                <a:solidFill>
-                  <a:schemeClr val="tx1"/>
-                </a:solidFill>
-                <a:latin typeface="+mn-lt"/>
-                <a:ea typeface="+mn-ea"/>
-                <a:cs typeface="+mn-cs"/>
-              </a:defRPr>
-            </a:lvl2pPr>
-            <a:lvl3pPr marL="914400" indent="0" algn="l" defTabSz="914400" rtl="0" eaLnBrk="1" latinLnBrk="0" hangingPunct="1">
-              <a:lnSpc>
-                <a:spcPct val="90000"/>
-              </a:lnSpc>
-              <a:spcBef>
-                <a:spcPts val="500"/>
-              </a:spcBef>
-              <a:buFont typeface="Arial" panose="020B0604020202020204" pitchFamily="34" charset="0"/>
-              <a:buNone/>
-              <a:defRPr sz="1800" b="1" kern="1200">
-                <a:solidFill>
-                  <a:schemeClr val="tx1"/>
-                </a:solidFill>
-                <a:latin typeface="+mn-lt"/>
-                <a:ea typeface="+mn-ea"/>
-                <a:cs typeface="+mn-cs"/>
-              </a:defRPr>
-            </a:lvl3pPr>
-            <a:lvl4pPr marL="1371600" indent="0" algn="l" defTabSz="914400" rtl="0" eaLnBrk="1" latinLnBrk="0" hangingPunct="1">
-              <a:lnSpc>
-                <a:spcPct val="90000"/>
-              </a:lnSpc>
-              <a:spcBef>
-                <a:spcPts val="500"/>
-              </a:spcBef>
-              <a:buFont typeface="Arial" panose="020B0604020202020204" pitchFamily="34" charset="0"/>
-              <a:buNone/>
-              <a:defRPr sz="1600" b="1" kern="1200">
-                <a:solidFill>
-                  <a:schemeClr val="tx1"/>
-                </a:solidFill>
-                <a:latin typeface="+mn-lt"/>
-                <a:ea typeface="+mn-ea"/>
-                <a:cs typeface="+mn-cs"/>
-              </a:defRPr>
-            </a:lvl4pPr>
-            <a:lvl5pPr marL="1828800" indent="0" algn="l" defTabSz="914400" rtl="0" eaLnBrk="1" latinLnBrk="0" hangingPunct="1">
-              <a:lnSpc>
-                <a:spcPct val="90000"/>
-              </a:lnSpc>
-              <a:spcBef>
-                <a:spcPts val="500"/>
-              </a:spcBef>
-              <a:buFont typeface="Arial" panose="020B0604020202020204" pitchFamily="34" charset="0"/>
-              <a:buNone/>
-              <a:defRPr sz="1600" b="1" kern="1200">
-                <a:solidFill>
-                  <a:schemeClr val="tx1"/>
-                </a:solidFill>
-                <a:latin typeface="+mn-lt"/>
-                <a:ea typeface="+mn-ea"/>
-                <a:cs typeface="+mn-cs"/>
-              </a:defRPr>
-            </a:lvl5pPr>
-            <a:lvl6pPr marL="2286000" indent="0" algn="l" defTabSz="914400" rtl="0" eaLnBrk="1" latinLnBrk="0" hangingPunct="1">
-              <a:lnSpc>
-                <a:spcPct val="90000"/>
-              </a:lnSpc>
-              <a:spcBef>
-                <a:spcPts val="500"/>
-              </a:spcBef>
-              <a:buFont typeface="Arial" panose="020B0604020202020204" pitchFamily="34" charset="0"/>
-              <a:buNone/>
-              <a:defRPr sz="1600" b="1" kern="1200">
-                <a:solidFill>
-                  <a:schemeClr val="tx1"/>
-                </a:solidFill>
-                <a:latin typeface="+mn-lt"/>
-                <a:ea typeface="+mn-ea"/>
-                <a:cs typeface="+mn-cs"/>
-              </a:defRPr>
-            </a:lvl6pPr>
-            <a:lvl7pPr marL="2743200" indent="0" algn="l" defTabSz="914400" rtl="0" eaLnBrk="1" latinLnBrk="0" hangingPunct="1">
-              <a:lnSpc>
-                <a:spcPct val="90000"/>
-              </a:lnSpc>
-              <a:spcBef>
-                <a:spcPts val="500"/>
-              </a:spcBef>
-              <a:buFont typeface="Arial" panose="020B0604020202020204" pitchFamily="34" charset="0"/>
-              <a:buNone/>
-              <a:defRPr sz="1600" b="1" kern="1200">
-                <a:solidFill>
-                  <a:schemeClr val="tx1"/>
-                </a:solidFill>
-                <a:latin typeface="+mn-lt"/>
-                <a:ea typeface="+mn-ea"/>
-                <a:cs typeface="+mn-cs"/>
-              </a:defRPr>
-            </a:lvl7pPr>
-            <a:lvl8pPr marL="3200400" indent="0" algn="l" defTabSz="914400" rtl="0" eaLnBrk="1" latinLnBrk="0" hangingPunct="1">
-              <a:lnSpc>
-                <a:spcPct val="90000"/>
-              </a:lnSpc>
-              <a:spcBef>
-                <a:spcPts val="500"/>
-              </a:spcBef>
-              <a:buFont typeface="Arial" panose="020B0604020202020204" pitchFamily="34" charset="0"/>
-              <a:buNone/>
-              <a:defRPr sz="1600" b="1" kern="1200">
-                <a:solidFill>
-                  <a:schemeClr val="tx1"/>
-                </a:solidFill>
-                <a:latin typeface="+mn-lt"/>
-                <a:ea typeface="+mn-ea"/>
-                <a:cs typeface="+mn-cs"/>
-              </a:defRPr>
-            </a:lvl8pPr>
-            <a:lvl9pPr marL="3657600" indent="0" algn="l" defTabSz="914400" rtl="0" eaLnBrk="1" latinLnBrk="0" hangingPunct="1">
-              <a:lnSpc>
-                <a:spcPct val="90000"/>
-              </a:lnSpc>
-              <a:spcBef>
-                <a:spcPts val="500"/>
-              </a:spcBef>
-              <a:buFont typeface="Arial" panose="020B0604020202020204" pitchFamily="34" charset="0"/>
-              <a:buNone/>
-              <a:defRPr sz="1600" b="1" kern="1200">
-                <a:solidFill>
-                  <a:schemeClr val="tx1"/>
-                </a:solidFill>
-                <a:latin typeface="+mn-lt"/>
-                <a:ea typeface="+mn-ea"/>
-                <a:cs typeface="+mn-cs"/>
-              </a:defRPr>
-            </a:lvl9pPr>
-          </a:lstStyle>
-          <a:p>
-            <a:r>
-              <a:rPr lang="en-US" sz="3200" dirty="0"/>
-              <a:t>Buy/Sells</a:t>
-            </a:r>
-          </a:p>
-        </p:txBody>
-      </p:sp>
       <p:pic>
         <p:nvPicPr>
-          <p:cNvPr id="38" name="Picture 37">
-            <a:extLst>
-              <a:ext uri="{FF2B5EF4-FFF2-40B4-BE49-F238E27FC236}">
-                <a16:creationId xmlns:a16="http://schemas.microsoft.com/office/drawing/2014/main" id="{B2B11B61-EDFC-4F9A-AC1F-F563CC710A0D}"/>
+          <p:cNvPr id="12" name="Picture 11">
+            <a:extLst>
+              <a:ext uri="{FF2B5EF4-FFF2-40B4-BE49-F238E27FC236}">
+                <a16:creationId xmlns:a16="http://schemas.microsoft.com/office/drawing/2014/main" id="{E113EC4E-FF3A-40D2-90BF-211D00F803D6}"/>
               </a:ext>
             </a:extLst>
           </p:cNvPr>
@@ -28758,68 +28658,8 @@
         </p:blipFill>
         <p:spPr>
           <a:xfrm>
-            <a:off x="252149" y="1578032"/>
-            <a:ext cx="3702126" cy="3031825"/>
-          </a:xfrm>
-          <a:prstGeom prst="rect">
-            <a:avLst/>
-          </a:prstGeom>
-        </p:spPr>
-      </p:pic>
-      <p:pic>
-        <p:nvPicPr>
-          <p:cNvPr id="40" name="Picture 39">
-            <a:extLst>
-              <a:ext uri="{FF2B5EF4-FFF2-40B4-BE49-F238E27FC236}">
-                <a16:creationId xmlns:a16="http://schemas.microsoft.com/office/drawing/2014/main" id="{4262E29A-49F8-49E2-99B0-64A2460684F5}"/>
-              </a:ext>
-            </a:extLst>
-          </p:cNvPr>
-          <p:cNvPicPr>
-            <a:picLocks noChangeAspect="1"/>
-          </p:cNvPicPr>
-          <p:nvPr/>
-        </p:nvPicPr>
-        <p:blipFill>
-          <a:blip r:embed="rId3"/>
-          <a:stretch>
-            <a:fillRect/>
-          </a:stretch>
-        </p:blipFill>
-        <p:spPr>
-          <a:xfrm>
-            <a:off x="4203348" y="1548816"/>
-            <a:ext cx="3702126" cy="3156206"/>
-          </a:xfrm>
-          <a:prstGeom prst="rect">
-            <a:avLst/>
-          </a:prstGeom>
-        </p:spPr>
-      </p:pic>
-      <p:pic>
-        <p:nvPicPr>
-          <p:cNvPr id="41" name="Picture 40">
-            <a:extLst>
-              <a:ext uri="{FF2B5EF4-FFF2-40B4-BE49-F238E27FC236}">
-                <a16:creationId xmlns:a16="http://schemas.microsoft.com/office/drawing/2014/main" id="{217CE65A-5515-4CE1-A15F-34493C22519B}"/>
-              </a:ext>
-            </a:extLst>
-          </p:cNvPr>
-          <p:cNvPicPr>
-            <a:picLocks noChangeAspect="1"/>
-          </p:cNvPicPr>
-          <p:nvPr/>
-        </p:nvPicPr>
-        <p:blipFill>
-          <a:blip r:embed="rId4"/>
-          <a:stretch>
-            <a:fillRect/>
-          </a:stretch>
-        </p:blipFill>
-        <p:spPr>
-          <a:xfrm>
-            <a:off x="8208374" y="1554582"/>
-            <a:ext cx="3731477" cy="3370985"/>
+            <a:off x="1393171" y="1551443"/>
+            <a:ext cx="9256899" cy="4382138"/>
           </a:xfrm>
           <a:prstGeom prst="rect">
             <a:avLst/>
@@ -28829,7 +28669,7 @@
     </p:spTree>
     <p:extLst>
       <p:ext uri="{BB962C8B-B14F-4D97-AF65-F5344CB8AC3E}">
-        <p14:creationId xmlns:p14="http://schemas.microsoft.com/office/powerpoint/2010/main" val="1154969311"/>
+        <p14:creationId xmlns:p14="http://schemas.microsoft.com/office/powerpoint/2010/main" val="1857486729"/>
       </p:ext>
     </p:extLst>
   </p:cSld>
@@ -28858,10 +28698,10 @@
       </p:grpSpPr>
       <p:sp>
         <p:nvSpPr>
-          <p:cNvPr id="2" name="Title 1">
-            <a:extLst>
-              <a:ext uri="{FF2B5EF4-FFF2-40B4-BE49-F238E27FC236}">
-                <a16:creationId xmlns:a16="http://schemas.microsoft.com/office/drawing/2014/main" id="{7E2781CB-D0EF-4851-9DBE-E5AE76114572}"/>
+          <p:cNvPr id="5" name="Title 4">
+            <a:extLst>
+              <a:ext uri="{FF2B5EF4-FFF2-40B4-BE49-F238E27FC236}">
+                <a16:creationId xmlns:a16="http://schemas.microsoft.com/office/drawing/2014/main" id="{6F3494C0-ABDD-4C4D-8C46-49B8F20CC7E9}"/>
               </a:ext>
             </a:extLst>
           </p:cNvPr>
@@ -28879,7 +28719,7 @@
           <a:p>
             <a:r>
               <a:rPr lang="en-US" dirty="0"/>
-              <a:t>Profit &amp; Loss</a:t>
+              <a:t>Visualizing S&amp;P 500</a:t>
             </a:r>
           </a:p>
         </p:txBody>
@@ -28889,7 +28729,7 @@
           <p:cNvPr id="3" name="Slide Number Placeholder 2">
             <a:extLst>
               <a:ext uri="{FF2B5EF4-FFF2-40B4-BE49-F238E27FC236}">
-                <a16:creationId xmlns:a16="http://schemas.microsoft.com/office/drawing/2014/main" id="{80EAD497-6281-45F0-8E9A-B25A29E78A96}"/>
+                <a16:creationId xmlns:a16="http://schemas.microsoft.com/office/drawing/2014/main" id="{C9D622C3-EE4F-4FB9-94FB-550563528286}"/>
               </a:ext>
             </a:extLst>
           </p:cNvPr>
@@ -28913,12 +28753,30 @@
           </a:p>
         </p:txBody>
       </p:sp>
+      <p:sp>
+        <p:nvSpPr>
+          <p:cNvPr id="2" name="Picture Placeholder 1">
+            <a:extLst>
+              <a:ext uri="{FF2B5EF4-FFF2-40B4-BE49-F238E27FC236}">
+                <a16:creationId xmlns:a16="http://schemas.microsoft.com/office/drawing/2014/main" id="{E4600A6A-D103-4CF9-801E-F0DF4675A448}"/>
+              </a:ext>
+            </a:extLst>
+          </p:cNvPr>
+          <p:cNvSpPr>
+            <a:spLocks noGrp="1"/>
+          </p:cNvSpPr>
+          <p:nvPr>
+            <p:ph type="pic" sz="quarter" idx="13"/>
+          </p:nvPr>
+        </p:nvSpPr>
+        <p:spPr/>
+      </p:sp>
       <p:pic>
         <p:nvPicPr>
-          <p:cNvPr id="12" name="Picture 11">
-            <a:extLst>
-              <a:ext uri="{FF2B5EF4-FFF2-40B4-BE49-F238E27FC236}">
-                <a16:creationId xmlns:a16="http://schemas.microsoft.com/office/drawing/2014/main" id="{E113EC4E-FF3A-40D2-90BF-211D00F803D6}"/>
+          <p:cNvPr id="7" name="Picture 6">
+            <a:extLst>
+              <a:ext uri="{FF2B5EF4-FFF2-40B4-BE49-F238E27FC236}">
+                <a16:creationId xmlns:a16="http://schemas.microsoft.com/office/drawing/2014/main" id="{4029AF96-0189-4494-A9DA-2C7A0F015330}"/>
               </a:ext>
             </a:extLst>
           </p:cNvPr>
@@ -28935,8 +28793,68 @@
         </p:blipFill>
         <p:spPr>
           <a:xfrm>
-            <a:off x="1393171" y="1551443"/>
-            <a:ext cx="9256899" cy="4382138"/>
+            <a:off x="371476" y="260349"/>
+            <a:ext cx="4590668" cy="3657597"/>
+          </a:xfrm>
+          <a:prstGeom prst="rect">
+            <a:avLst/>
+          </a:prstGeom>
+        </p:spPr>
+      </p:pic>
+      <p:pic>
+        <p:nvPicPr>
+          <p:cNvPr id="10" name="Picture 9">
+            <a:extLst>
+              <a:ext uri="{FF2B5EF4-FFF2-40B4-BE49-F238E27FC236}">
+                <a16:creationId xmlns:a16="http://schemas.microsoft.com/office/drawing/2014/main" id="{8C552F35-4BD8-4C8E-9E91-19CF1110DF1D}"/>
+              </a:ext>
+            </a:extLst>
+          </p:cNvPr>
+          <p:cNvPicPr>
+            <a:picLocks noChangeAspect="1"/>
+          </p:cNvPicPr>
+          <p:nvPr/>
+        </p:nvPicPr>
+        <p:blipFill>
+          <a:blip r:embed="rId3"/>
+          <a:stretch>
+            <a:fillRect/>
+          </a:stretch>
+        </p:blipFill>
+        <p:spPr>
+          <a:xfrm>
+            <a:off x="4962144" y="260349"/>
+            <a:ext cx="4223170" cy="3657599"/>
+          </a:xfrm>
+          <a:prstGeom prst="rect">
+            <a:avLst/>
+          </a:prstGeom>
+        </p:spPr>
+      </p:pic>
+      <p:pic>
+        <p:nvPicPr>
+          <p:cNvPr id="11" name="Picture 10">
+            <a:extLst>
+              <a:ext uri="{FF2B5EF4-FFF2-40B4-BE49-F238E27FC236}">
+                <a16:creationId xmlns:a16="http://schemas.microsoft.com/office/drawing/2014/main" id="{1B3DDF8A-45D8-49CB-A7C3-FB9A475EC302}"/>
+              </a:ext>
+            </a:extLst>
+          </p:cNvPr>
+          <p:cNvPicPr>
+            <a:picLocks noChangeAspect="1"/>
+          </p:cNvPicPr>
+          <p:nvPr/>
+        </p:nvPicPr>
+        <p:blipFill>
+          <a:blip r:embed="rId4"/>
+          <a:stretch>
+            <a:fillRect/>
+          </a:stretch>
+        </p:blipFill>
+        <p:spPr>
+          <a:xfrm>
+            <a:off x="9185314" y="908333"/>
+            <a:ext cx="2641566" cy="2165860"/>
           </a:xfrm>
           <a:prstGeom prst="rect">
             <a:avLst/>
@@ -28946,7 +28864,7 @@
     </p:spTree>
     <p:extLst>
       <p:ext uri="{BB962C8B-B14F-4D97-AF65-F5344CB8AC3E}">
-        <p14:creationId xmlns:p14="http://schemas.microsoft.com/office/powerpoint/2010/main" val="1857486729"/>
+        <p14:creationId xmlns:p14="http://schemas.microsoft.com/office/powerpoint/2010/main" val="3462884272"/>
       </p:ext>
     </p:extLst>
   </p:cSld>
@@ -28975,10 +28893,10 @@
       </p:grpSpPr>
       <p:sp>
         <p:nvSpPr>
-          <p:cNvPr id="5" name="Title 4">
-            <a:extLst>
-              <a:ext uri="{FF2B5EF4-FFF2-40B4-BE49-F238E27FC236}">
-                <a16:creationId xmlns:a16="http://schemas.microsoft.com/office/drawing/2014/main" id="{6F3494C0-ABDD-4C4D-8C46-49B8F20CC7E9}"/>
+          <p:cNvPr id="6" name="Title 5">
+            <a:extLst>
+              <a:ext uri="{FF2B5EF4-FFF2-40B4-BE49-F238E27FC236}">
+                <a16:creationId xmlns:a16="http://schemas.microsoft.com/office/drawing/2014/main" id="{E1768246-2496-4F97-8FCA-02252116FF87}"/>
               </a:ext>
             </a:extLst>
           </p:cNvPr>
@@ -28996,17 +28914,17 @@
           <a:p>
             <a:r>
               <a:rPr lang="en-US" dirty="0"/>
-              <a:t>Visualizing S&amp;P 500</a:t>
-            </a:r>
-          </a:p>
-        </p:txBody>
-      </p:sp>
-      <p:sp>
-        <p:nvSpPr>
-          <p:cNvPr id="3" name="Slide Number Placeholder 2">
-            <a:extLst>
-              <a:ext uri="{FF2B5EF4-FFF2-40B4-BE49-F238E27FC236}">
-                <a16:creationId xmlns:a16="http://schemas.microsoft.com/office/drawing/2014/main" id="{C9D622C3-EE4F-4FB9-94FB-550563528286}"/>
+              <a:t>Economic Data</a:t>
+            </a:r>
+          </a:p>
+        </p:txBody>
+      </p:sp>
+      <p:sp>
+        <p:nvSpPr>
+          <p:cNvPr id="2" name="Slide Number Placeholder 1">
+            <a:extLst>
+              <a:ext uri="{FF2B5EF4-FFF2-40B4-BE49-F238E27FC236}">
+                <a16:creationId xmlns:a16="http://schemas.microsoft.com/office/drawing/2014/main" id="{7EAB17F8-59B5-4C93-9884-D30446299CA5}"/>
               </a:ext>
             </a:extLst>
           </p:cNvPr>
@@ -29030,30 +28948,12 @@
           </a:p>
         </p:txBody>
       </p:sp>
-      <p:sp>
-        <p:nvSpPr>
-          <p:cNvPr id="2" name="Picture Placeholder 1">
-            <a:extLst>
-              <a:ext uri="{FF2B5EF4-FFF2-40B4-BE49-F238E27FC236}">
-                <a16:creationId xmlns:a16="http://schemas.microsoft.com/office/drawing/2014/main" id="{E4600A6A-D103-4CF9-801E-F0DF4675A448}"/>
-              </a:ext>
-            </a:extLst>
-          </p:cNvPr>
-          <p:cNvSpPr>
-            <a:spLocks noGrp="1"/>
-          </p:cNvSpPr>
-          <p:nvPr>
-            <p:ph type="pic" sz="quarter" idx="13"/>
-          </p:nvPr>
-        </p:nvSpPr>
-        <p:spPr/>
-      </p:sp>
       <p:pic>
         <p:nvPicPr>
-          <p:cNvPr id="7" name="Picture 6">
-            <a:extLst>
-              <a:ext uri="{FF2B5EF4-FFF2-40B4-BE49-F238E27FC236}">
-                <a16:creationId xmlns:a16="http://schemas.microsoft.com/office/drawing/2014/main" id="{4029AF96-0189-4494-A9DA-2C7A0F015330}"/>
+          <p:cNvPr id="17" name="Picture 16">
+            <a:extLst>
+              <a:ext uri="{FF2B5EF4-FFF2-40B4-BE49-F238E27FC236}">
+                <a16:creationId xmlns:a16="http://schemas.microsoft.com/office/drawing/2014/main" id="{6104D2AB-CFD9-4178-85CA-0B9A699BA62C}"/>
               </a:ext>
             </a:extLst>
           </p:cNvPr>
@@ -29070,8 +28970,8 @@
         </p:blipFill>
         <p:spPr>
           <a:xfrm>
-            <a:off x="371476" y="260349"/>
-            <a:ext cx="4590668" cy="3657597"/>
+            <a:off x="525398" y="1302740"/>
+            <a:ext cx="2514600" cy="1181100"/>
           </a:xfrm>
           <a:prstGeom prst="rect">
             <a:avLst/>
@@ -29080,10 +28980,10 @@
       </p:pic>
       <p:pic>
         <p:nvPicPr>
-          <p:cNvPr id="10" name="Picture 9">
-            <a:extLst>
-              <a:ext uri="{FF2B5EF4-FFF2-40B4-BE49-F238E27FC236}">
-                <a16:creationId xmlns:a16="http://schemas.microsoft.com/office/drawing/2014/main" id="{8C552F35-4BD8-4C8E-9E91-19CF1110DF1D}"/>
+          <p:cNvPr id="18" name="Picture 17">
+            <a:extLst>
+              <a:ext uri="{FF2B5EF4-FFF2-40B4-BE49-F238E27FC236}">
+                <a16:creationId xmlns:a16="http://schemas.microsoft.com/office/drawing/2014/main" id="{343C2ADF-33AE-4143-9208-1C25713E1DA9}"/>
               </a:ext>
             </a:extLst>
           </p:cNvPr>
@@ -29100,8 +29000,8 @@
         </p:blipFill>
         <p:spPr>
           <a:xfrm>
-            <a:off x="4962144" y="260349"/>
-            <a:ext cx="4223170" cy="3657599"/>
+            <a:off x="525398" y="2590902"/>
+            <a:ext cx="2514600" cy="1191620"/>
           </a:xfrm>
           <a:prstGeom prst="rect">
             <a:avLst/>
@@ -29110,10 +29010,10 @@
       </p:pic>
       <p:pic>
         <p:nvPicPr>
-          <p:cNvPr id="11" name="Picture 10">
-            <a:extLst>
-              <a:ext uri="{FF2B5EF4-FFF2-40B4-BE49-F238E27FC236}">
-                <a16:creationId xmlns:a16="http://schemas.microsoft.com/office/drawing/2014/main" id="{1B3DDF8A-45D8-49CB-A7C3-FB9A475EC302}"/>
+          <p:cNvPr id="19" name="Picture 18">
+            <a:extLst>
+              <a:ext uri="{FF2B5EF4-FFF2-40B4-BE49-F238E27FC236}">
+                <a16:creationId xmlns:a16="http://schemas.microsoft.com/office/drawing/2014/main" id="{8964C765-821F-4735-A5EC-D8F233491DA5}"/>
               </a:ext>
             </a:extLst>
           </p:cNvPr>
@@ -29130,8 +29030,398 @@
         </p:blipFill>
         <p:spPr>
           <a:xfrm>
-            <a:off x="9185314" y="908333"/>
-            <a:ext cx="2641566" cy="2165860"/>
+            <a:off x="525398" y="3889584"/>
+            <a:ext cx="2514600" cy="1149799"/>
+          </a:xfrm>
+          <a:prstGeom prst="rect">
+            <a:avLst/>
+          </a:prstGeom>
+        </p:spPr>
+      </p:pic>
+      <p:pic>
+        <p:nvPicPr>
+          <p:cNvPr id="20" name="Picture 19">
+            <a:extLst>
+              <a:ext uri="{FF2B5EF4-FFF2-40B4-BE49-F238E27FC236}">
+                <a16:creationId xmlns:a16="http://schemas.microsoft.com/office/drawing/2014/main" id="{EB749F9D-4BC6-4852-9A45-C09273939CFC}"/>
+              </a:ext>
+            </a:extLst>
+          </p:cNvPr>
+          <p:cNvPicPr>
+            <a:picLocks noChangeAspect="1"/>
+          </p:cNvPicPr>
+          <p:nvPr/>
+        </p:nvPicPr>
+        <p:blipFill>
+          <a:blip r:embed="rId5"/>
+          <a:stretch>
+            <a:fillRect/>
+          </a:stretch>
+        </p:blipFill>
+        <p:spPr>
+          <a:xfrm>
+            <a:off x="525398" y="5146445"/>
+            <a:ext cx="2514600" cy="1190625"/>
+          </a:xfrm>
+          <a:prstGeom prst="rect">
+            <a:avLst/>
+          </a:prstGeom>
+        </p:spPr>
+      </p:pic>
+      <p:pic>
+        <p:nvPicPr>
+          <p:cNvPr id="21" name="Picture 20">
+            <a:extLst>
+              <a:ext uri="{FF2B5EF4-FFF2-40B4-BE49-F238E27FC236}">
+                <a16:creationId xmlns:a16="http://schemas.microsoft.com/office/drawing/2014/main" id="{16E35542-49E5-4DEF-9C8A-DBB4AF66C032}"/>
+              </a:ext>
+            </a:extLst>
+          </p:cNvPr>
+          <p:cNvPicPr>
+            <a:picLocks noChangeAspect="1"/>
+          </p:cNvPicPr>
+          <p:nvPr/>
+        </p:nvPicPr>
+        <p:blipFill>
+          <a:blip r:embed="rId6"/>
+          <a:stretch>
+            <a:fillRect/>
+          </a:stretch>
+        </p:blipFill>
+        <p:spPr>
+          <a:xfrm>
+            <a:off x="3397948" y="1321790"/>
+            <a:ext cx="2543175" cy="1143000"/>
+          </a:xfrm>
+          <a:prstGeom prst="rect">
+            <a:avLst/>
+          </a:prstGeom>
+        </p:spPr>
+      </p:pic>
+      <p:pic>
+        <p:nvPicPr>
+          <p:cNvPr id="23" name="Picture 22">
+            <a:extLst>
+              <a:ext uri="{FF2B5EF4-FFF2-40B4-BE49-F238E27FC236}">
+                <a16:creationId xmlns:a16="http://schemas.microsoft.com/office/drawing/2014/main" id="{19C7A4D0-73F5-4B5B-AF57-0F2C87E654B7}"/>
+              </a:ext>
+            </a:extLst>
+          </p:cNvPr>
+          <p:cNvPicPr>
+            <a:picLocks noChangeAspect="1"/>
+          </p:cNvPicPr>
+          <p:nvPr/>
+        </p:nvPicPr>
+        <p:blipFill>
+          <a:blip r:embed="rId7"/>
+          <a:stretch>
+            <a:fillRect/>
+          </a:stretch>
+        </p:blipFill>
+        <p:spPr>
+          <a:xfrm>
+            <a:off x="3397948" y="2615211"/>
+            <a:ext cx="2514600" cy="1169581"/>
+          </a:xfrm>
+          <a:prstGeom prst="rect">
+            <a:avLst/>
+          </a:prstGeom>
+        </p:spPr>
+      </p:pic>
+      <p:pic>
+        <p:nvPicPr>
+          <p:cNvPr id="25" name="Picture 24">
+            <a:extLst>
+              <a:ext uri="{FF2B5EF4-FFF2-40B4-BE49-F238E27FC236}">
+                <a16:creationId xmlns:a16="http://schemas.microsoft.com/office/drawing/2014/main" id="{70F78BF3-D538-42D7-A2BD-BC1CFFF8D43B}"/>
+              </a:ext>
+            </a:extLst>
+          </p:cNvPr>
+          <p:cNvPicPr>
+            <a:picLocks noChangeAspect="1"/>
+          </p:cNvPicPr>
+          <p:nvPr/>
+        </p:nvPicPr>
+        <p:blipFill>
+          <a:blip r:embed="rId8"/>
+          <a:stretch>
+            <a:fillRect/>
+          </a:stretch>
+        </p:blipFill>
+        <p:spPr>
+          <a:xfrm>
+            <a:off x="3397948" y="3886858"/>
+            <a:ext cx="2514600" cy="1174775"/>
+          </a:xfrm>
+          <a:prstGeom prst="rect">
+            <a:avLst/>
+          </a:prstGeom>
+        </p:spPr>
+      </p:pic>
+      <p:pic>
+        <p:nvPicPr>
+          <p:cNvPr id="27" name="Picture 26">
+            <a:extLst>
+              <a:ext uri="{FF2B5EF4-FFF2-40B4-BE49-F238E27FC236}">
+                <a16:creationId xmlns:a16="http://schemas.microsoft.com/office/drawing/2014/main" id="{20169AAE-465E-490B-A26B-8625F331A9F9}"/>
+              </a:ext>
+            </a:extLst>
+          </p:cNvPr>
+          <p:cNvPicPr>
+            <a:picLocks noChangeAspect="1"/>
+          </p:cNvPicPr>
+          <p:nvPr/>
+        </p:nvPicPr>
+        <p:blipFill>
+          <a:blip r:embed="rId9"/>
+          <a:stretch>
+            <a:fillRect/>
+          </a:stretch>
+        </p:blipFill>
+        <p:spPr>
+          <a:xfrm>
+            <a:off x="6299073" y="1298135"/>
+            <a:ext cx="2543175" cy="1125055"/>
+          </a:xfrm>
+          <a:prstGeom prst="rect">
+            <a:avLst/>
+          </a:prstGeom>
+        </p:spPr>
+      </p:pic>
+      <p:pic>
+        <p:nvPicPr>
+          <p:cNvPr id="29" name="Picture 28">
+            <a:extLst>
+              <a:ext uri="{FF2B5EF4-FFF2-40B4-BE49-F238E27FC236}">
+                <a16:creationId xmlns:a16="http://schemas.microsoft.com/office/drawing/2014/main" id="{9E4BDD88-8B4D-4035-A98A-B5334850E3B1}"/>
+              </a:ext>
+            </a:extLst>
+          </p:cNvPr>
+          <p:cNvPicPr>
+            <a:picLocks noChangeAspect="1"/>
+          </p:cNvPicPr>
+          <p:nvPr/>
+        </p:nvPicPr>
+        <p:blipFill>
+          <a:blip r:embed="rId10"/>
+          <a:stretch>
+            <a:fillRect/>
+          </a:stretch>
+        </p:blipFill>
+        <p:spPr>
+          <a:xfrm>
+            <a:off x="3397948" y="5175020"/>
+            <a:ext cx="2514600" cy="1189074"/>
+          </a:xfrm>
+          <a:prstGeom prst="rect">
+            <a:avLst/>
+          </a:prstGeom>
+        </p:spPr>
+      </p:pic>
+      <p:pic>
+        <p:nvPicPr>
+          <p:cNvPr id="30" name="Picture 29">
+            <a:extLst>
+              <a:ext uri="{FF2B5EF4-FFF2-40B4-BE49-F238E27FC236}">
+                <a16:creationId xmlns:a16="http://schemas.microsoft.com/office/drawing/2014/main" id="{593CC6AC-84C1-4CE6-9B72-FDBFB846858E}"/>
+              </a:ext>
+            </a:extLst>
+          </p:cNvPr>
+          <p:cNvPicPr>
+            <a:picLocks noChangeAspect="1"/>
+          </p:cNvPicPr>
+          <p:nvPr/>
+        </p:nvPicPr>
+        <p:blipFill>
+          <a:blip r:embed="rId11"/>
+          <a:stretch>
+            <a:fillRect/>
+          </a:stretch>
+        </p:blipFill>
+        <p:spPr>
+          <a:xfrm>
+            <a:off x="6318123" y="2615211"/>
+            <a:ext cx="2524125" cy="1167311"/>
+          </a:xfrm>
+          <a:prstGeom prst="rect">
+            <a:avLst/>
+          </a:prstGeom>
+        </p:spPr>
+      </p:pic>
+      <p:pic>
+        <p:nvPicPr>
+          <p:cNvPr id="31" name="Picture 30">
+            <a:extLst>
+              <a:ext uri="{FF2B5EF4-FFF2-40B4-BE49-F238E27FC236}">
+                <a16:creationId xmlns:a16="http://schemas.microsoft.com/office/drawing/2014/main" id="{EF1A92E9-361A-4104-9A34-EB03BF943B70}"/>
+              </a:ext>
+            </a:extLst>
+          </p:cNvPr>
+          <p:cNvPicPr>
+            <a:picLocks noChangeAspect="1"/>
+          </p:cNvPicPr>
+          <p:nvPr/>
+        </p:nvPicPr>
+        <p:blipFill>
+          <a:blip r:embed="rId12"/>
+          <a:stretch>
+            <a:fillRect/>
+          </a:stretch>
+        </p:blipFill>
+        <p:spPr>
+          <a:xfrm>
+            <a:off x="6318123" y="3899559"/>
+            <a:ext cx="2524125" cy="1174775"/>
+          </a:xfrm>
+          <a:prstGeom prst="rect">
+            <a:avLst/>
+          </a:prstGeom>
+        </p:spPr>
+      </p:pic>
+      <p:pic>
+        <p:nvPicPr>
+          <p:cNvPr id="32" name="Picture 31">
+            <a:extLst>
+              <a:ext uri="{FF2B5EF4-FFF2-40B4-BE49-F238E27FC236}">
+                <a16:creationId xmlns:a16="http://schemas.microsoft.com/office/drawing/2014/main" id="{5FB460CA-B969-4D3B-AF5B-5D4C0BB9AB38}"/>
+              </a:ext>
+            </a:extLst>
+          </p:cNvPr>
+          <p:cNvPicPr>
+            <a:picLocks noChangeAspect="1"/>
+          </p:cNvPicPr>
+          <p:nvPr/>
+        </p:nvPicPr>
+        <p:blipFill>
+          <a:blip r:embed="rId13"/>
+          <a:stretch>
+            <a:fillRect/>
+          </a:stretch>
+        </p:blipFill>
+        <p:spPr>
+          <a:xfrm>
+            <a:off x="6299073" y="5175020"/>
+            <a:ext cx="2543175" cy="1189074"/>
+          </a:xfrm>
+          <a:prstGeom prst="rect">
+            <a:avLst/>
+          </a:prstGeom>
+        </p:spPr>
+      </p:pic>
+      <p:pic>
+        <p:nvPicPr>
+          <p:cNvPr id="33" name="Picture 32">
+            <a:extLst>
+              <a:ext uri="{FF2B5EF4-FFF2-40B4-BE49-F238E27FC236}">
+                <a16:creationId xmlns:a16="http://schemas.microsoft.com/office/drawing/2014/main" id="{047F80E8-9868-413F-8082-D348EB682FC5}"/>
+              </a:ext>
+            </a:extLst>
+          </p:cNvPr>
+          <p:cNvPicPr>
+            <a:picLocks noChangeAspect="1"/>
+          </p:cNvPicPr>
+          <p:nvPr/>
+        </p:nvPicPr>
+        <p:blipFill>
+          <a:blip r:embed="rId14"/>
+          <a:stretch>
+            <a:fillRect/>
+          </a:stretch>
+        </p:blipFill>
+        <p:spPr>
+          <a:xfrm>
+            <a:off x="9247251" y="1298135"/>
+            <a:ext cx="2476499" cy="1143001"/>
+          </a:xfrm>
+          <a:prstGeom prst="rect">
+            <a:avLst/>
+          </a:prstGeom>
+        </p:spPr>
+      </p:pic>
+      <p:pic>
+        <p:nvPicPr>
+          <p:cNvPr id="34" name="Picture 33">
+            <a:extLst>
+              <a:ext uri="{FF2B5EF4-FFF2-40B4-BE49-F238E27FC236}">
+                <a16:creationId xmlns:a16="http://schemas.microsoft.com/office/drawing/2014/main" id="{A0D19508-3E8F-4F91-A70E-7611F5FF88C2}"/>
+              </a:ext>
+            </a:extLst>
+          </p:cNvPr>
+          <p:cNvPicPr>
+            <a:picLocks noChangeAspect="1"/>
+          </p:cNvPicPr>
+          <p:nvPr/>
+        </p:nvPicPr>
+        <p:blipFill>
+          <a:blip r:embed="rId15"/>
+          <a:stretch>
+            <a:fillRect/>
+          </a:stretch>
+        </p:blipFill>
+        <p:spPr>
+          <a:xfrm>
+            <a:off x="9247252" y="2615211"/>
+            <a:ext cx="2476500" cy="1191620"/>
+          </a:xfrm>
+          <a:prstGeom prst="rect">
+            <a:avLst/>
+          </a:prstGeom>
+        </p:spPr>
+      </p:pic>
+      <p:pic>
+        <p:nvPicPr>
+          <p:cNvPr id="35" name="Picture 34">
+            <a:extLst>
+              <a:ext uri="{FF2B5EF4-FFF2-40B4-BE49-F238E27FC236}">
+                <a16:creationId xmlns:a16="http://schemas.microsoft.com/office/drawing/2014/main" id="{8860C637-9B0B-446F-821A-12889151E716}"/>
+              </a:ext>
+            </a:extLst>
+          </p:cNvPr>
+          <p:cNvPicPr>
+            <a:picLocks noChangeAspect="1"/>
+          </p:cNvPicPr>
+          <p:nvPr/>
+        </p:nvPicPr>
+        <p:blipFill>
+          <a:blip r:embed="rId16"/>
+          <a:stretch>
+            <a:fillRect/>
+          </a:stretch>
+        </p:blipFill>
+        <p:spPr>
+          <a:xfrm>
+            <a:off x="9228773" y="3914990"/>
+            <a:ext cx="2437829" cy="1174776"/>
+          </a:xfrm>
+          <a:prstGeom prst="rect">
+            <a:avLst/>
+          </a:prstGeom>
+        </p:spPr>
+      </p:pic>
+      <p:pic>
+        <p:nvPicPr>
+          <p:cNvPr id="36" name="Picture 35">
+            <a:extLst>
+              <a:ext uri="{FF2B5EF4-FFF2-40B4-BE49-F238E27FC236}">
+                <a16:creationId xmlns:a16="http://schemas.microsoft.com/office/drawing/2014/main" id="{EB6C2094-C1A0-4245-88BA-A0FF4227D615}"/>
+              </a:ext>
+            </a:extLst>
+          </p:cNvPr>
+          <p:cNvPicPr>
+            <a:picLocks noChangeAspect="1"/>
+          </p:cNvPicPr>
+          <p:nvPr/>
+        </p:nvPicPr>
+        <p:blipFill>
+          <a:blip r:embed="rId17"/>
+          <a:stretch>
+            <a:fillRect/>
+          </a:stretch>
+        </p:blipFill>
+        <p:spPr>
+          <a:xfrm>
+            <a:off x="9228200" y="5179007"/>
+            <a:ext cx="2437829" cy="1181100"/>
           </a:xfrm>
           <a:prstGeom prst="rect">
             <a:avLst/>
@@ -29141,7 +29431,7 @@
     </p:spTree>
     <p:extLst>
       <p:ext uri="{BB962C8B-B14F-4D97-AF65-F5344CB8AC3E}">
-        <p14:creationId xmlns:p14="http://schemas.microsoft.com/office/powerpoint/2010/main" val="3462884272"/>
+        <p14:creationId xmlns:p14="http://schemas.microsoft.com/office/powerpoint/2010/main" val="1163063007"/>
       </p:ext>
     </p:extLst>
   </p:cSld>
@@ -29170,10 +29460,10 @@
       </p:grpSpPr>
       <p:sp>
         <p:nvSpPr>
-          <p:cNvPr id="6" name="Title 5">
-            <a:extLst>
-              <a:ext uri="{FF2B5EF4-FFF2-40B4-BE49-F238E27FC236}">
-                <a16:creationId xmlns:a16="http://schemas.microsoft.com/office/drawing/2014/main" id="{E1768246-2496-4F97-8FCA-02252116FF87}"/>
+          <p:cNvPr id="5" name="Title 4">
+            <a:extLst>
+              <a:ext uri="{FF2B5EF4-FFF2-40B4-BE49-F238E27FC236}">
+                <a16:creationId xmlns:a16="http://schemas.microsoft.com/office/drawing/2014/main" id="{6F3494C0-ABDD-4C4D-8C46-49B8F20CC7E9}"/>
               </a:ext>
             </a:extLst>
           </p:cNvPr>
@@ -29184,24 +29474,29 @@
             <p:ph type="title"/>
           </p:nvPr>
         </p:nvSpPr>
-        <p:spPr/>
+        <p:spPr>
+          <a:xfrm>
+            <a:off x="717804" y="5612638"/>
+            <a:ext cx="10439400" cy="1175444"/>
+          </a:xfrm>
+        </p:spPr>
         <p:txBody>
           <a:bodyPr/>
           <a:lstStyle/>
           <a:p>
             <a:r>
               <a:rPr lang="en-US" dirty="0"/>
-              <a:t>Economic Data</a:t>
-            </a:r>
-          </a:p>
-        </p:txBody>
-      </p:sp>
-      <p:sp>
-        <p:nvSpPr>
-          <p:cNvPr id="2" name="Slide Number Placeholder 1">
-            <a:extLst>
-              <a:ext uri="{FF2B5EF4-FFF2-40B4-BE49-F238E27FC236}">
-                <a16:creationId xmlns:a16="http://schemas.microsoft.com/office/drawing/2014/main" id="{7EAB17F8-59B5-4C93-9884-D30446299CA5}"/>
+              <a:t>Single Layer LTSM v. Multi-Layer</a:t>
+            </a:r>
+          </a:p>
+        </p:txBody>
+      </p:sp>
+      <p:sp>
+        <p:nvSpPr>
+          <p:cNvPr id="3" name="Slide Number Placeholder 2">
+            <a:extLst>
+              <a:ext uri="{FF2B5EF4-FFF2-40B4-BE49-F238E27FC236}">
+                <a16:creationId xmlns:a16="http://schemas.microsoft.com/office/drawing/2014/main" id="{C9D622C3-EE4F-4FB9-94FB-550563528286}"/>
               </a:ext>
             </a:extLst>
           </p:cNvPr>
@@ -29227,10 +29522,10 @@
       </p:sp>
       <p:pic>
         <p:nvPicPr>
-          <p:cNvPr id="17" name="Picture 16">
-            <a:extLst>
-              <a:ext uri="{FF2B5EF4-FFF2-40B4-BE49-F238E27FC236}">
-                <a16:creationId xmlns:a16="http://schemas.microsoft.com/office/drawing/2014/main" id="{6104D2AB-CFD9-4178-85CA-0B9A699BA62C}"/>
+          <p:cNvPr id="6" name="Picture 5">
+            <a:extLst>
+              <a:ext uri="{FF2B5EF4-FFF2-40B4-BE49-F238E27FC236}">
+                <a16:creationId xmlns:a16="http://schemas.microsoft.com/office/drawing/2014/main" id="{031B81FF-8F2F-48AE-B61E-C00E8EB17C0A}"/>
               </a:ext>
             </a:extLst>
           </p:cNvPr>
@@ -29247,8 +29542,8 @@
         </p:blipFill>
         <p:spPr>
           <a:xfrm>
-            <a:off x="525398" y="1302740"/>
-            <a:ext cx="2514600" cy="1181100"/>
+            <a:off x="300038" y="493664"/>
+            <a:ext cx="5795962" cy="4773316"/>
           </a:xfrm>
           <a:prstGeom prst="rect">
             <a:avLst/>
@@ -29257,10 +29552,10 @@
       </p:pic>
       <p:pic>
         <p:nvPicPr>
-          <p:cNvPr id="18" name="Picture 17">
-            <a:extLst>
-              <a:ext uri="{FF2B5EF4-FFF2-40B4-BE49-F238E27FC236}">
-                <a16:creationId xmlns:a16="http://schemas.microsoft.com/office/drawing/2014/main" id="{343C2ADF-33AE-4143-9208-1C25713E1DA9}"/>
+          <p:cNvPr id="8" name="Picture 7">
+            <a:extLst>
+              <a:ext uri="{FF2B5EF4-FFF2-40B4-BE49-F238E27FC236}">
+                <a16:creationId xmlns:a16="http://schemas.microsoft.com/office/drawing/2014/main" id="{18839B18-09B5-4732-AA4C-FD563CB45C33}"/>
               </a:ext>
             </a:extLst>
           </p:cNvPr>
@@ -29277,428 +29572,8 @@
         </p:blipFill>
         <p:spPr>
           <a:xfrm>
-            <a:off x="525398" y="2590902"/>
-            <a:ext cx="2514600" cy="1191620"/>
-          </a:xfrm>
-          <a:prstGeom prst="rect">
-            <a:avLst/>
-          </a:prstGeom>
-        </p:spPr>
-      </p:pic>
-      <p:pic>
-        <p:nvPicPr>
-          <p:cNvPr id="19" name="Picture 18">
-            <a:extLst>
-              <a:ext uri="{FF2B5EF4-FFF2-40B4-BE49-F238E27FC236}">
-                <a16:creationId xmlns:a16="http://schemas.microsoft.com/office/drawing/2014/main" id="{8964C765-821F-4735-A5EC-D8F233491DA5}"/>
-              </a:ext>
-            </a:extLst>
-          </p:cNvPr>
-          <p:cNvPicPr>
-            <a:picLocks noChangeAspect="1"/>
-          </p:cNvPicPr>
-          <p:nvPr/>
-        </p:nvPicPr>
-        <p:blipFill>
-          <a:blip r:embed="rId4"/>
-          <a:stretch>
-            <a:fillRect/>
-          </a:stretch>
-        </p:blipFill>
-        <p:spPr>
-          <a:xfrm>
-            <a:off x="525398" y="3889584"/>
-            <a:ext cx="2514600" cy="1149799"/>
-          </a:xfrm>
-          <a:prstGeom prst="rect">
-            <a:avLst/>
-          </a:prstGeom>
-        </p:spPr>
-      </p:pic>
-      <p:pic>
-        <p:nvPicPr>
-          <p:cNvPr id="20" name="Picture 19">
-            <a:extLst>
-              <a:ext uri="{FF2B5EF4-FFF2-40B4-BE49-F238E27FC236}">
-                <a16:creationId xmlns:a16="http://schemas.microsoft.com/office/drawing/2014/main" id="{EB749F9D-4BC6-4852-9A45-C09273939CFC}"/>
-              </a:ext>
-            </a:extLst>
-          </p:cNvPr>
-          <p:cNvPicPr>
-            <a:picLocks noChangeAspect="1"/>
-          </p:cNvPicPr>
-          <p:nvPr/>
-        </p:nvPicPr>
-        <p:blipFill>
-          <a:blip r:embed="rId5"/>
-          <a:stretch>
-            <a:fillRect/>
-          </a:stretch>
-        </p:blipFill>
-        <p:spPr>
-          <a:xfrm>
-            <a:off x="525398" y="5146445"/>
-            <a:ext cx="2514600" cy="1190625"/>
-          </a:xfrm>
-          <a:prstGeom prst="rect">
-            <a:avLst/>
-          </a:prstGeom>
-        </p:spPr>
-      </p:pic>
-      <p:pic>
-        <p:nvPicPr>
-          <p:cNvPr id="21" name="Picture 20">
-            <a:extLst>
-              <a:ext uri="{FF2B5EF4-FFF2-40B4-BE49-F238E27FC236}">
-                <a16:creationId xmlns:a16="http://schemas.microsoft.com/office/drawing/2014/main" id="{16E35542-49E5-4DEF-9C8A-DBB4AF66C032}"/>
-              </a:ext>
-            </a:extLst>
-          </p:cNvPr>
-          <p:cNvPicPr>
-            <a:picLocks noChangeAspect="1"/>
-          </p:cNvPicPr>
-          <p:nvPr/>
-        </p:nvPicPr>
-        <p:blipFill>
-          <a:blip r:embed="rId6"/>
-          <a:stretch>
-            <a:fillRect/>
-          </a:stretch>
-        </p:blipFill>
-        <p:spPr>
-          <a:xfrm>
-            <a:off x="3397948" y="1321790"/>
-            <a:ext cx="2543175" cy="1143000"/>
-          </a:xfrm>
-          <a:prstGeom prst="rect">
-            <a:avLst/>
-          </a:prstGeom>
-        </p:spPr>
-      </p:pic>
-      <p:pic>
-        <p:nvPicPr>
-          <p:cNvPr id="23" name="Picture 22">
-            <a:extLst>
-              <a:ext uri="{FF2B5EF4-FFF2-40B4-BE49-F238E27FC236}">
-                <a16:creationId xmlns:a16="http://schemas.microsoft.com/office/drawing/2014/main" id="{19C7A4D0-73F5-4B5B-AF57-0F2C87E654B7}"/>
-              </a:ext>
-            </a:extLst>
-          </p:cNvPr>
-          <p:cNvPicPr>
-            <a:picLocks noChangeAspect="1"/>
-          </p:cNvPicPr>
-          <p:nvPr/>
-        </p:nvPicPr>
-        <p:blipFill>
-          <a:blip r:embed="rId7"/>
-          <a:stretch>
-            <a:fillRect/>
-          </a:stretch>
-        </p:blipFill>
-        <p:spPr>
-          <a:xfrm>
-            <a:off x="3397948" y="2615211"/>
-            <a:ext cx="2514600" cy="1169581"/>
-          </a:xfrm>
-          <a:prstGeom prst="rect">
-            <a:avLst/>
-          </a:prstGeom>
-        </p:spPr>
-      </p:pic>
-      <p:pic>
-        <p:nvPicPr>
-          <p:cNvPr id="25" name="Picture 24">
-            <a:extLst>
-              <a:ext uri="{FF2B5EF4-FFF2-40B4-BE49-F238E27FC236}">
-                <a16:creationId xmlns:a16="http://schemas.microsoft.com/office/drawing/2014/main" id="{70F78BF3-D538-42D7-A2BD-BC1CFFF8D43B}"/>
-              </a:ext>
-            </a:extLst>
-          </p:cNvPr>
-          <p:cNvPicPr>
-            <a:picLocks noChangeAspect="1"/>
-          </p:cNvPicPr>
-          <p:nvPr/>
-        </p:nvPicPr>
-        <p:blipFill>
-          <a:blip r:embed="rId8"/>
-          <a:stretch>
-            <a:fillRect/>
-          </a:stretch>
-        </p:blipFill>
-        <p:spPr>
-          <a:xfrm>
-            <a:off x="3397948" y="3886858"/>
-            <a:ext cx="2514600" cy="1174775"/>
-          </a:xfrm>
-          <a:prstGeom prst="rect">
-            <a:avLst/>
-          </a:prstGeom>
-        </p:spPr>
-      </p:pic>
-      <p:pic>
-        <p:nvPicPr>
-          <p:cNvPr id="27" name="Picture 26">
-            <a:extLst>
-              <a:ext uri="{FF2B5EF4-FFF2-40B4-BE49-F238E27FC236}">
-                <a16:creationId xmlns:a16="http://schemas.microsoft.com/office/drawing/2014/main" id="{20169AAE-465E-490B-A26B-8625F331A9F9}"/>
-              </a:ext>
-            </a:extLst>
-          </p:cNvPr>
-          <p:cNvPicPr>
-            <a:picLocks noChangeAspect="1"/>
-          </p:cNvPicPr>
-          <p:nvPr/>
-        </p:nvPicPr>
-        <p:blipFill>
-          <a:blip r:embed="rId9"/>
-          <a:stretch>
-            <a:fillRect/>
-          </a:stretch>
-        </p:blipFill>
-        <p:spPr>
-          <a:xfrm>
-            <a:off x="6299073" y="1298135"/>
-            <a:ext cx="2543175" cy="1125055"/>
-          </a:xfrm>
-          <a:prstGeom prst="rect">
-            <a:avLst/>
-          </a:prstGeom>
-        </p:spPr>
-      </p:pic>
-      <p:pic>
-        <p:nvPicPr>
-          <p:cNvPr id="29" name="Picture 28">
-            <a:extLst>
-              <a:ext uri="{FF2B5EF4-FFF2-40B4-BE49-F238E27FC236}">
-                <a16:creationId xmlns:a16="http://schemas.microsoft.com/office/drawing/2014/main" id="{9E4BDD88-8B4D-4035-A98A-B5334850E3B1}"/>
-              </a:ext>
-            </a:extLst>
-          </p:cNvPr>
-          <p:cNvPicPr>
-            <a:picLocks noChangeAspect="1"/>
-          </p:cNvPicPr>
-          <p:nvPr/>
-        </p:nvPicPr>
-        <p:blipFill>
-          <a:blip r:embed="rId10"/>
-          <a:stretch>
-            <a:fillRect/>
-          </a:stretch>
-        </p:blipFill>
-        <p:spPr>
-          <a:xfrm>
-            <a:off x="3397948" y="5175020"/>
-            <a:ext cx="2514600" cy="1189074"/>
-          </a:xfrm>
-          <a:prstGeom prst="rect">
-            <a:avLst/>
-          </a:prstGeom>
-        </p:spPr>
-      </p:pic>
-      <p:pic>
-        <p:nvPicPr>
-          <p:cNvPr id="30" name="Picture 29">
-            <a:extLst>
-              <a:ext uri="{FF2B5EF4-FFF2-40B4-BE49-F238E27FC236}">
-                <a16:creationId xmlns:a16="http://schemas.microsoft.com/office/drawing/2014/main" id="{593CC6AC-84C1-4CE6-9B72-FDBFB846858E}"/>
-              </a:ext>
-            </a:extLst>
-          </p:cNvPr>
-          <p:cNvPicPr>
-            <a:picLocks noChangeAspect="1"/>
-          </p:cNvPicPr>
-          <p:nvPr/>
-        </p:nvPicPr>
-        <p:blipFill>
-          <a:blip r:embed="rId11"/>
-          <a:stretch>
-            <a:fillRect/>
-          </a:stretch>
-        </p:blipFill>
-        <p:spPr>
-          <a:xfrm>
-            <a:off x="6318123" y="2615211"/>
-            <a:ext cx="2524125" cy="1167311"/>
-          </a:xfrm>
-          <a:prstGeom prst="rect">
-            <a:avLst/>
-          </a:prstGeom>
-        </p:spPr>
-      </p:pic>
-      <p:pic>
-        <p:nvPicPr>
-          <p:cNvPr id="31" name="Picture 30">
-            <a:extLst>
-              <a:ext uri="{FF2B5EF4-FFF2-40B4-BE49-F238E27FC236}">
-                <a16:creationId xmlns:a16="http://schemas.microsoft.com/office/drawing/2014/main" id="{EF1A92E9-361A-4104-9A34-EB03BF943B70}"/>
-              </a:ext>
-            </a:extLst>
-          </p:cNvPr>
-          <p:cNvPicPr>
-            <a:picLocks noChangeAspect="1"/>
-          </p:cNvPicPr>
-          <p:nvPr/>
-        </p:nvPicPr>
-        <p:blipFill>
-          <a:blip r:embed="rId12"/>
-          <a:stretch>
-            <a:fillRect/>
-          </a:stretch>
-        </p:blipFill>
-        <p:spPr>
-          <a:xfrm>
-            <a:off x="6318123" y="3899559"/>
-            <a:ext cx="2524125" cy="1174775"/>
-          </a:xfrm>
-          <a:prstGeom prst="rect">
-            <a:avLst/>
-          </a:prstGeom>
-        </p:spPr>
-      </p:pic>
-      <p:pic>
-        <p:nvPicPr>
-          <p:cNvPr id="32" name="Picture 31">
-            <a:extLst>
-              <a:ext uri="{FF2B5EF4-FFF2-40B4-BE49-F238E27FC236}">
-                <a16:creationId xmlns:a16="http://schemas.microsoft.com/office/drawing/2014/main" id="{5FB460CA-B969-4D3B-AF5B-5D4C0BB9AB38}"/>
-              </a:ext>
-            </a:extLst>
-          </p:cNvPr>
-          <p:cNvPicPr>
-            <a:picLocks noChangeAspect="1"/>
-          </p:cNvPicPr>
-          <p:nvPr/>
-        </p:nvPicPr>
-        <p:blipFill>
-          <a:blip r:embed="rId13"/>
-          <a:stretch>
-            <a:fillRect/>
-          </a:stretch>
-        </p:blipFill>
-        <p:spPr>
-          <a:xfrm>
-            <a:off x="6299073" y="5175020"/>
-            <a:ext cx="2543175" cy="1189074"/>
-          </a:xfrm>
-          <a:prstGeom prst="rect">
-            <a:avLst/>
-          </a:prstGeom>
-        </p:spPr>
-      </p:pic>
-      <p:pic>
-        <p:nvPicPr>
-          <p:cNvPr id="33" name="Picture 32">
-            <a:extLst>
-              <a:ext uri="{FF2B5EF4-FFF2-40B4-BE49-F238E27FC236}">
-                <a16:creationId xmlns:a16="http://schemas.microsoft.com/office/drawing/2014/main" id="{047F80E8-9868-413F-8082-D348EB682FC5}"/>
-              </a:ext>
-            </a:extLst>
-          </p:cNvPr>
-          <p:cNvPicPr>
-            <a:picLocks noChangeAspect="1"/>
-          </p:cNvPicPr>
-          <p:nvPr/>
-        </p:nvPicPr>
-        <p:blipFill>
-          <a:blip r:embed="rId14"/>
-          <a:stretch>
-            <a:fillRect/>
-          </a:stretch>
-        </p:blipFill>
-        <p:spPr>
-          <a:xfrm>
-            <a:off x="9247251" y="1298135"/>
-            <a:ext cx="2476499" cy="1143001"/>
-          </a:xfrm>
-          <a:prstGeom prst="rect">
-            <a:avLst/>
-          </a:prstGeom>
-        </p:spPr>
-      </p:pic>
-      <p:pic>
-        <p:nvPicPr>
-          <p:cNvPr id="34" name="Picture 33">
-            <a:extLst>
-              <a:ext uri="{FF2B5EF4-FFF2-40B4-BE49-F238E27FC236}">
-                <a16:creationId xmlns:a16="http://schemas.microsoft.com/office/drawing/2014/main" id="{A0D19508-3E8F-4F91-A70E-7611F5FF88C2}"/>
-              </a:ext>
-            </a:extLst>
-          </p:cNvPr>
-          <p:cNvPicPr>
-            <a:picLocks noChangeAspect="1"/>
-          </p:cNvPicPr>
-          <p:nvPr/>
-        </p:nvPicPr>
-        <p:blipFill>
-          <a:blip r:embed="rId15"/>
-          <a:stretch>
-            <a:fillRect/>
-          </a:stretch>
-        </p:blipFill>
-        <p:spPr>
-          <a:xfrm>
-            <a:off x="9247252" y="2615211"/>
-            <a:ext cx="2476500" cy="1191620"/>
-          </a:xfrm>
-          <a:prstGeom prst="rect">
-            <a:avLst/>
-          </a:prstGeom>
-        </p:spPr>
-      </p:pic>
-      <p:pic>
-        <p:nvPicPr>
-          <p:cNvPr id="35" name="Picture 34">
-            <a:extLst>
-              <a:ext uri="{FF2B5EF4-FFF2-40B4-BE49-F238E27FC236}">
-                <a16:creationId xmlns:a16="http://schemas.microsoft.com/office/drawing/2014/main" id="{8860C637-9B0B-446F-821A-12889151E716}"/>
-              </a:ext>
-            </a:extLst>
-          </p:cNvPr>
-          <p:cNvPicPr>
-            <a:picLocks noChangeAspect="1"/>
-          </p:cNvPicPr>
-          <p:nvPr/>
-        </p:nvPicPr>
-        <p:blipFill>
-          <a:blip r:embed="rId16"/>
-          <a:stretch>
-            <a:fillRect/>
-          </a:stretch>
-        </p:blipFill>
-        <p:spPr>
-          <a:xfrm>
-            <a:off x="9228773" y="3914990"/>
-            <a:ext cx="2437829" cy="1174776"/>
-          </a:xfrm>
-          <a:prstGeom prst="rect">
-            <a:avLst/>
-          </a:prstGeom>
-        </p:spPr>
-      </p:pic>
-      <p:pic>
-        <p:nvPicPr>
-          <p:cNvPr id="36" name="Picture 35">
-            <a:extLst>
-              <a:ext uri="{FF2B5EF4-FFF2-40B4-BE49-F238E27FC236}">
-                <a16:creationId xmlns:a16="http://schemas.microsoft.com/office/drawing/2014/main" id="{EB6C2094-C1A0-4245-88BA-A0FF4227D615}"/>
-              </a:ext>
-            </a:extLst>
-          </p:cNvPr>
-          <p:cNvPicPr>
-            <a:picLocks noChangeAspect="1"/>
-          </p:cNvPicPr>
-          <p:nvPr/>
-        </p:nvPicPr>
-        <p:blipFill>
-          <a:blip r:embed="rId17"/>
-          <a:stretch>
-            <a:fillRect/>
-          </a:stretch>
-        </p:blipFill>
-        <p:spPr>
-          <a:xfrm>
-            <a:off x="9228200" y="5179007"/>
-            <a:ext cx="2437829" cy="1181100"/>
+            <a:off x="6096000" y="493664"/>
+            <a:ext cx="5609431" cy="4773316"/>
           </a:xfrm>
           <a:prstGeom prst="rect">
             <a:avLst/>
@@ -29708,7 +29583,7 @@
     </p:spTree>
     <p:extLst>
       <p:ext uri="{BB962C8B-B14F-4D97-AF65-F5344CB8AC3E}">
-        <p14:creationId xmlns:p14="http://schemas.microsoft.com/office/powerpoint/2010/main" val="1163063007"/>
+        <p14:creationId xmlns:p14="http://schemas.microsoft.com/office/powerpoint/2010/main" val="2868764963"/>
       </p:ext>
     </p:extLst>
   </p:cSld>
@@ -29737,10 +29612,10 @@
       </p:grpSpPr>
       <p:sp>
         <p:nvSpPr>
-          <p:cNvPr id="5" name="Title 4">
-            <a:extLst>
-              <a:ext uri="{FF2B5EF4-FFF2-40B4-BE49-F238E27FC236}">
-                <a16:creationId xmlns:a16="http://schemas.microsoft.com/office/drawing/2014/main" id="{6F3494C0-ABDD-4C4D-8C46-49B8F20CC7E9}"/>
+          <p:cNvPr id="16" name="Title 15">
+            <a:extLst>
+              <a:ext uri="{FF2B5EF4-FFF2-40B4-BE49-F238E27FC236}">
+                <a16:creationId xmlns:a16="http://schemas.microsoft.com/office/drawing/2014/main" id="{2C00B059-8249-401E-BECD-DC838B36F9FB}"/>
               </a:ext>
             </a:extLst>
           </p:cNvPr>
@@ -29751,19 +29626,14 @@
             <p:ph type="title"/>
           </p:nvPr>
         </p:nvSpPr>
-        <p:spPr>
-          <a:xfrm>
-            <a:off x="717804" y="5612638"/>
-            <a:ext cx="10439400" cy="1175444"/>
-          </a:xfrm>
-        </p:spPr>
+        <p:spPr/>
         <p:txBody>
           <a:bodyPr/>
           <a:lstStyle/>
           <a:p>
             <a:r>
               <a:rPr lang="en-US" dirty="0"/>
-              <a:t>Single Layer LTSM v. Multi-Layer</a:t>
+              <a:t>Thank you</a:t>
             </a:r>
           </a:p>
         </p:txBody>
@@ -29773,7 +29643,7 @@
           <p:cNvPr id="3" name="Slide Number Placeholder 2">
             <a:extLst>
               <a:ext uri="{FF2B5EF4-FFF2-40B4-BE49-F238E27FC236}">
-                <a16:creationId xmlns:a16="http://schemas.microsoft.com/office/drawing/2014/main" id="{C9D622C3-EE4F-4FB9-94FB-550563528286}"/>
+                <a16:creationId xmlns:a16="http://schemas.microsoft.com/office/drawing/2014/main" id="{581E71C2-3FC1-41C1-8255-33A1AC802247}"/>
               </a:ext>
             </a:extLst>
           </p:cNvPr>
@@ -29799,10 +29669,10 @@
       </p:sp>
       <p:pic>
         <p:nvPicPr>
-          <p:cNvPr id="6" name="Picture 5">
-            <a:extLst>
-              <a:ext uri="{FF2B5EF4-FFF2-40B4-BE49-F238E27FC236}">
-                <a16:creationId xmlns:a16="http://schemas.microsoft.com/office/drawing/2014/main" id="{031B81FF-8F2F-48AE-B61E-C00E8EB17C0A}"/>
+          <p:cNvPr id="5" name="Picture 4" descr="Thank You!!">
+            <a:extLst>
+              <a:ext uri="{FF2B5EF4-FFF2-40B4-BE49-F238E27FC236}">
+                <a16:creationId xmlns:a16="http://schemas.microsoft.com/office/drawing/2014/main" id="{41026A79-94F7-4A27-B154-D17A83F8530F}"/>
               </a:ext>
             </a:extLst>
           </p:cNvPr>
@@ -29812,19 +29682,37 @@
           <p:nvPr/>
         </p:nvPicPr>
         <p:blipFill>
-          <a:blip r:embed="rId2"/>
+          <a:blip r:embed="rId2">
+            <a:extLst>
+              <a:ext uri="{837473B0-CC2E-450A-ABE3-18F120FF3D39}">
+                <a1611:picAttrSrcUrl xmlns:a1611="http://schemas.microsoft.com/office/drawing/2016/11/main" r:id="rId3"/>
+              </a:ext>
+            </a:extLst>
+          </a:blip>
           <a:stretch>
             <a:fillRect/>
           </a:stretch>
         </p:blipFill>
         <p:spPr>
           <a:xfrm>
-            <a:off x="300038" y="493664"/>
-            <a:ext cx="5795962" cy="4773316"/>
+            <a:off x="-157035" y="69918"/>
+            <a:ext cx="12361273" cy="6788081"/>
           </a:xfrm>
           <a:prstGeom prst="rect">
             <a:avLst/>
           </a:prstGeom>
+          <a:blipFill>
+            <a:blip r:embed="rId4">
+              <a:extLst>
+                <a:ext uri="{837473B0-CC2E-450A-ABE3-18F120FF3D39}">
+                  <a1611:picAttrSrcUrl xmlns:a1611="http://schemas.microsoft.com/office/drawing/2016/11/main" r:id="rId5"/>
+                </a:ext>
+              </a:extLst>
+            </a:blip>
+            <a:stretch>
+              <a:fillRect/>
+            </a:stretch>
+          </a:blipFill>
         </p:spPr>
       </p:pic>
       <p:pic>
@@ -29832,7 +29720,7 @@
           <p:cNvPr id="8" name="Picture 7">
             <a:extLst>
               <a:ext uri="{FF2B5EF4-FFF2-40B4-BE49-F238E27FC236}">
-                <a16:creationId xmlns:a16="http://schemas.microsoft.com/office/drawing/2014/main" id="{18839B18-09B5-4732-AA4C-FD563CB45C33}"/>
+                <a16:creationId xmlns:a16="http://schemas.microsoft.com/office/drawing/2014/main" id="{0E1A9A56-6D0C-4AB5-B646-3C36804F0174}"/>
               </a:ext>
             </a:extLst>
           </p:cNvPr>
@@ -29842,25 +29730,62 @@
           <p:nvPr/>
         </p:nvPicPr>
         <p:blipFill>
-          <a:blip r:embed="rId3"/>
+          <a:blip r:embed="rId6"/>
           <a:stretch>
             <a:fillRect/>
           </a:stretch>
         </p:blipFill>
         <p:spPr>
           <a:xfrm>
-            <a:off x="6096000" y="493664"/>
-            <a:ext cx="5609431" cy="4773316"/>
+            <a:off x="177173" y="2698903"/>
+            <a:ext cx="2590739" cy="3883075"/>
           </a:xfrm>
           <a:prstGeom prst="rect">
             <a:avLst/>
           </a:prstGeom>
         </p:spPr>
       </p:pic>
+      <p:sp>
+        <p:nvSpPr>
+          <p:cNvPr id="9" name="TextBox 8">
+            <a:extLst>
+              <a:ext uri="{FF2B5EF4-FFF2-40B4-BE49-F238E27FC236}">
+                <a16:creationId xmlns:a16="http://schemas.microsoft.com/office/drawing/2014/main" id="{54437E2A-0563-4437-8CFC-63D1D206B051}"/>
+              </a:ext>
+            </a:extLst>
+          </p:cNvPr>
+          <p:cNvSpPr txBox="1"/>
+          <p:nvPr/>
+        </p:nvSpPr>
+        <p:spPr>
+          <a:xfrm>
+            <a:off x="3342640" y="639763"/>
+            <a:ext cx="7498080" cy="1200329"/>
+          </a:xfrm>
+          <a:prstGeom prst="rect">
+            <a:avLst/>
+          </a:prstGeom>
+          <a:noFill/>
+        </p:spPr>
+        <p:txBody>
+          <a:bodyPr wrap="square" rtlCol="0">
+            <a:spAutoFit/>
+          </a:bodyPr>
+          <a:lstStyle/>
+          <a:p>
+            <a:r>
+              <a:rPr lang="en-US" sz="7200" dirty="0">
+                <a:latin typeface="Arial Black" panose="020B0A04020102020204" pitchFamily="34" charset="0"/>
+              </a:rPr>
+              <a:t>Thank You!</a:t>
+            </a:r>
+          </a:p>
+        </p:txBody>
+      </p:sp>
     </p:spTree>
     <p:extLst>
       <p:ext uri="{BB962C8B-B14F-4D97-AF65-F5344CB8AC3E}">
-        <p14:creationId xmlns:p14="http://schemas.microsoft.com/office/powerpoint/2010/main" val="2868764963"/>
+        <p14:creationId xmlns:p14="http://schemas.microsoft.com/office/powerpoint/2010/main" val="2900026269"/>
       </p:ext>
     </p:extLst>
   </p:cSld>
